--- a/프로젝트발표회/퀸송이메이커.pptx
+++ b/프로젝트발표회/퀸송이메이커.pptx
@@ -3626,8 +3626,8 @@
           </a:p>
           <a:p>
             <a:r>
-              <a:rPr lang="ko-KR" altLang="en-US" dirty="0" err="1"/>
-              <a:t>제작툴</a:t>
+              <a:rPr lang="ko-KR" altLang="en-US" dirty="0"/>
+              <a:t>제작 툴</a:t>
             </a:r>
             <a:r>
               <a:rPr lang="en-US" altLang="ko-KR" dirty="0"/>

--- a/프로젝트발표회/퀸송이메이커.pptx
+++ b/프로젝트발표회/퀸송이메이커.pptx
@@ -6,13 +6,9 @@
   </p:sldMasterIdLst>
   <p:sldIdLst>
     <p:sldId id="256" r:id="rId2"/>
-    <p:sldId id="257" r:id="rId3"/>
-    <p:sldId id="258" r:id="rId4"/>
-    <p:sldId id="259" r:id="rId5"/>
-    <p:sldId id="263" r:id="rId6"/>
-    <p:sldId id="260" r:id="rId7"/>
-    <p:sldId id="261" r:id="rId8"/>
-    <p:sldId id="262" r:id="rId9"/>
+    <p:sldId id="259" r:id="rId3"/>
+    <p:sldId id="257" r:id="rId4"/>
+    <p:sldId id="258" r:id="rId5"/>
   </p:sldIdLst>
   <p:sldSz cx="12192000" cy="6858000"/>
   <p:notesSz cx="6858000" cy="9144000"/>
@@ -111,11 +107,6 @@
       </a:defRPr>
     </a:lvl9pPr>
   </p:defaultTextStyle>
-  <p:extLst>
-    <p:ext uri="{EFAFB233-063F-42B5-8137-9DF3F51BA10A}">
-      <p15:sldGuideLst xmlns:p15="http://schemas.microsoft.com/office/powerpoint/2012/main"/>
-    </p:ext>
-  </p:extLst>
 </p:presentation>
 </file>
 
@@ -141,7 +132,7 @@
           <p:cNvPr id="2" name="제목 1">
             <a:extLst>
               <a:ext uri="{FF2B5EF4-FFF2-40B4-BE49-F238E27FC236}">
-                <a16:creationId xmlns:a16="http://schemas.microsoft.com/office/drawing/2014/main" id="{BFE731F7-A424-4DA8-BF40-9844182DD568}"/>
+                <a16:creationId xmlns:a16="http://schemas.microsoft.com/office/drawing/2014/main" id="{F8FC583C-6607-4920-A38B-D862D5BFECBD}"/>
               </a:ext>
             </a:extLst>
           </p:cNvPr>
@@ -178,7 +169,7 @@
           <p:cNvPr id="3" name="부제목 2">
             <a:extLst>
               <a:ext uri="{FF2B5EF4-FFF2-40B4-BE49-F238E27FC236}">
-                <a16:creationId xmlns:a16="http://schemas.microsoft.com/office/drawing/2014/main" id="{CB20D71B-1241-44B1-88E0-840FE86B13CD}"/>
+                <a16:creationId xmlns:a16="http://schemas.microsoft.com/office/drawing/2014/main" id="{AF5B26DB-C80D-4370-B934-E10F05616A9A}"/>
               </a:ext>
             </a:extLst>
           </p:cNvPr>
@@ -248,7 +239,7 @@
           <p:cNvPr id="4" name="날짜 개체 틀 3">
             <a:extLst>
               <a:ext uri="{FF2B5EF4-FFF2-40B4-BE49-F238E27FC236}">
-                <a16:creationId xmlns:a16="http://schemas.microsoft.com/office/drawing/2014/main" id="{C280FBB2-1B54-4310-ABC4-42E785676F27}"/>
+                <a16:creationId xmlns:a16="http://schemas.microsoft.com/office/drawing/2014/main" id="{EF38F173-DCDB-4BC2-802B-C9EA819240BD}"/>
               </a:ext>
             </a:extLst>
           </p:cNvPr>
@@ -264,9 +255,9 @@
           <a:bodyPr/>
           <a:lstStyle/>
           <a:p>
-            <a:fld id="{9972BEA4-D5B3-4B56-B1A4-AE7B8B0B71CC}" type="datetimeFigureOut">
+            <a:fld id="{20085F0F-8AF8-48B4-8196-C35D7CEC1D2B}" type="datetimeFigureOut">
               <a:rPr lang="ko-KR" altLang="en-US" smtClean="0"/>
-              <a:t>2021-02-20</a:t>
+              <a:t>2020-12-18</a:t>
             </a:fld>
             <a:endParaRPr lang="ko-KR" altLang="en-US"/>
           </a:p>
@@ -277,7 +268,7 @@
           <p:cNvPr id="5" name="바닥글 개체 틀 4">
             <a:extLst>
               <a:ext uri="{FF2B5EF4-FFF2-40B4-BE49-F238E27FC236}">
-                <a16:creationId xmlns:a16="http://schemas.microsoft.com/office/drawing/2014/main" id="{D9F15B7D-8A0C-4356-B199-C57A4646CE95}"/>
+                <a16:creationId xmlns:a16="http://schemas.microsoft.com/office/drawing/2014/main" id="{33068A39-5500-4785-9F14-6DF42AE1422F}"/>
               </a:ext>
             </a:extLst>
           </p:cNvPr>
@@ -302,7 +293,7 @@
           <p:cNvPr id="6" name="슬라이드 번호 개체 틀 5">
             <a:extLst>
               <a:ext uri="{FF2B5EF4-FFF2-40B4-BE49-F238E27FC236}">
-                <a16:creationId xmlns:a16="http://schemas.microsoft.com/office/drawing/2014/main" id="{BB1B4946-1A24-4B74-9F49-FEE08518F817}"/>
+                <a16:creationId xmlns:a16="http://schemas.microsoft.com/office/drawing/2014/main" id="{CBFA9DF2-428E-4FBF-85FB-A56DA756566A}"/>
               </a:ext>
             </a:extLst>
           </p:cNvPr>
@@ -318,7 +309,7 @@
           <a:bodyPr/>
           <a:lstStyle/>
           <a:p>
-            <a:fld id="{982B7889-B5DA-4045-8C2E-2BE5B2A07587}" type="slidenum">
+            <a:fld id="{EB67DEE5-60FA-43B1-8C33-ED2FC92DD303}" type="slidenum">
               <a:rPr lang="ko-KR" altLang="en-US" smtClean="0"/>
               <a:t>‹#›</a:t>
             </a:fld>
@@ -329,7 +320,7 @@
     </p:spTree>
     <p:extLst>
       <p:ext uri="{BB962C8B-B14F-4D97-AF65-F5344CB8AC3E}">
-        <p14:creationId xmlns:p14="http://schemas.microsoft.com/office/powerpoint/2010/main" val="1767652256"/>
+        <p14:creationId xmlns:p14="http://schemas.microsoft.com/office/powerpoint/2010/main" val="1686288375"/>
       </p:ext>
     </p:extLst>
   </p:cSld>
@@ -361,7 +352,7 @@
           <p:cNvPr id="2" name="제목 1">
             <a:extLst>
               <a:ext uri="{FF2B5EF4-FFF2-40B4-BE49-F238E27FC236}">
-                <a16:creationId xmlns:a16="http://schemas.microsoft.com/office/drawing/2014/main" id="{10CD2435-C269-4A1C-B815-ADA0D4979C28}"/>
+                <a16:creationId xmlns:a16="http://schemas.microsoft.com/office/drawing/2014/main" id="{7103A40A-E0F7-4D8B-8F36-91CED2586EE6}"/>
               </a:ext>
             </a:extLst>
           </p:cNvPr>
@@ -389,7 +380,7 @@
           <p:cNvPr id="3" name="세로 텍스트 개체 틀 2">
             <a:extLst>
               <a:ext uri="{FF2B5EF4-FFF2-40B4-BE49-F238E27FC236}">
-                <a16:creationId xmlns:a16="http://schemas.microsoft.com/office/drawing/2014/main" id="{8D5262D8-FBCA-4ECA-83C6-ACF0C0A8BA24}"/>
+                <a16:creationId xmlns:a16="http://schemas.microsoft.com/office/drawing/2014/main" id="{B78E9FAD-E9E5-4A46-941F-78CB44E46D4F}"/>
               </a:ext>
             </a:extLst>
           </p:cNvPr>
@@ -446,7 +437,7 @@
           <p:cNvPr id="4" name="날짜 개체 틀 3">
             <a:extLst>
               <a:ext uri="{FF2B5EF4-FFF2-40B4-BE49-F238E27FC236}">
-                <a16:creationId xmlns:a16="http://schemas.microsoft.com/office/drawing/2014/main" id="{43035A9D-4F31-4C6C-8C32-09692A40809D}"/>
+                <a16:creationId xmlns:a16="http://schemas.microsoft.com/office/drawing/2014/main" id="{9882C003-A2BA-4562-9E71-1B740D4A9072}"/>
               </a:ext>
             </a:extLst>
           </p:cNvPr>
@@ -462,9 +453,9 @@
           <a:bodyPr/>
           <a:lstStyle/>
           <a:p>
-            <a:fld id="{9972BEA4-D5B3-4B56-B1A4-AE7B8B0B71CC}" type="datetimeFigureOut">
+            <a:fld id="{20085F0F-8AF8-48B4-8196-C35D7CEC1D2B}" type="datetimeFigureOut">
               <a:rPr lang="ko-KR" altLang="en-US" smtClean="0"/>
-              <a:t>2021-02-20</a:t>
+              <a:t>2020-12-18</a:t>
             </a:fld>
             <a:endParaRPr lang="ko-KR" altLang="en-US"/>
           </a:p>
@@ -475,7 +466,7 @@
           <p:cNvPr id="5" name="바닥글 개체 틀 4">
             <a:extLst>
               <a:ext uri="{FF2B5EF4-FFF2-40B4-BE49-F238E27FC236}">
-                <a16:creationId xmlns:a16="http://schemas.microsoft.com/office/drawing/2014/main" id="{171CCDB1-B85D-4FA2-8F96-6FDEA101F409}"/>
+                <a16:creationId xmlns:a16="http://schemas.microsoft.com/office/drawing/2014/main" id="{9639F382-BA7F-4E87-97AF-426470DE8595}"/>
               </a:ext>
             </a:extLst>
           </p:cNvPr>
@@ -500,7 +491,7 @@
           <p:cNvPr id="6" name="슬라이드 번호 개체 틀 5">
             <a:extLst>
               <a:ext uri="{FF2B5EF4-FFF2-40B4-BE49-F238E27FC236}">
-                <a16:creationId xmlns:a16="http://schemas.microsoft.com/office/drawing/2014/main" id="{A6C9AA86-4AE4-4837-B705-A9C215A4339C}"/>
+                <a16:creationId xmlns:a16="http://schemas.microsoft.com/office/drawing/2014/main" id="{0ED3019F-A028-4430-95E8-F740C7E55440}"/>
               </a:ext>
             </a:extLst>
           </p:cNvPr>
@@ -516,7 +507,7 @@
           <a:bodyPr/>
           <a:lstStyle/>
           <a:p>
-            <a:fld id="{982B7889-B5DA-4045-8C2E-2BE5B2A07587}" type="slidenum">
+            <a:fld id="{EB67DEE5-60FA-43B1-8C33-ED2FC92DD303}" type="slidenum">
               <a:rPr lang="ko-KR" altLang="en-US" smtClean="0"/>
               <a:t>‹#›</a:t>
             </a:fld>
@@ -527,7 +518,7 @@
     </p:spTree>
     <p:extLst>
       <p:ext uri="{BB962C8B-B14F-4D97-AF65-F5344CB8AC3E}">
-        <p14:creationId xmlns:p14="http://schemas.microsoft.com/office/powerpoint/2010/main" val="2757713239"/>
+        <p14:creationId xmlns:p14="http://schemas.microsoft.com/office/powerpoint/2010/main" val="4102022244"/>
       </p:ext>
     </p:extLst>
   </p:cSld>
@@ -559,7 +550,7 @@
           <p:cNvPr id="2" name="세로 제목 1">
             <a:extLst>
               <a:ext uri="{FF2B5EF4-FFF2-40B4-BE49-F238E27FC236}">
-                <a16:creationId xmlns:a16="http://schemas.microsoft.com/office/drawing/2014/main" id="{FA99C6DA-CBCC-4AFC-A3CF-7309707F5C15}"/>
+                <a16:creationId xmlns:a16="http://schemas.microsoft.com/office/drawing/2014/main" id="{5F949CAE-D348-42CC-A139-54D1AFD3E71A}"/>
               </a:ext>
             </a:extLst>
           </p:cNvPr>
@@ -592,7 +583,7 @@
           <p:cNvPr id="3" name="세로 텍스트 개체 틀 2">
             <a:extLst>
               <a:ext uri="{FF2B5EF4-FFF2-40B4-BE49-F238E27FC236}">
-                <a16:creationId xmlns:a16="http://schemas.microsoft.com/office/drawing/2014/main" id="{FF53172C-BFB7-4154-AAA7-03424CCE0084}"/>
+                <a16:creationId xmlns:a16="http://schemas.microsoft.com/office/drawing/2014/main" id="{C3C9D131-5FB3-45D1-8F34-7E7FD3B22352}"/>
               </a:ext>
             </a:extLst>
           </p:cNvPr>
@@ -654,7 +645,7 @@
           <p:cNvPr id="4" name="날짜 개체 틀 3">
             <a:extLst>
               <a:ext uri="{FF2B5EF4-FFF2-40B4-BE49-F238E27FC236}">
-                <a16:creationId xmlns:a16="http://schemas.microsoft.com/office/drawing/2014/main" id="{57084B08-C65D-4DE0-8A63-3DD87B9A47E8}"/>
+                <a16:creationId xmlns:a16="http://schemas.microsoft.com/office/drawing/2014/main" id="{86493446-B3A3-472B-865F-D8878A70E0CC}"/>
               </a:ext>
             </a:extLst>
           </p:cNvPr>
@@ -670,9 +661,9 @@
           <a:bodyPr/>
           <a:lstStyle/>
           <a:p>
-            <a:fld id="{9972BEA4-D5B3-4B56-B1A4-AE7B8B0B71CC}" type="datetimeFigureOut">
+            <a:fld id="{20085F0F-8AF8-48B4-8196-C35D7CEC1D2B}" type="datetimeFigureOut">
               <a:rPr lang="ko-KR" altLang="en-US" smtClean="0"/>
-              <a:t>2021-02-20</a:t>
+              <a:t>2020-12-18</a:t>
             </a:fld>
             <a:endParaRPr lang="ko-KR" altLang="en-US"/>
           </a:p>
@@ -683,7 +674,7 @@
           <p:cNvPr id="5" name="바닥글 개체 틀 4">
             <a:extLst>
               <a:ext uri="{FF2B5EF4-FFF2-40B4-BE49-F238E27FC236}">
-                <a16:creationId xmlns:a16="http://schemas.microsoft.com/office/drawing/2014/main" id="{66B30653-9DD0-4071-8D60-10F7DD6AC947}"/>
+                <a16:creationId xmlns:a16="http://schemas.microsoft.com/office/drawing/2014/main" id="{46FEA35C-5350-4CB4-8841-C4181A6351D6}"/>
               </a:ext>
             </a:extLst>
           </p:cNvPr>
@@ -708,7 +699,7 @@
           <p:cNvPr id="6" name="슬라이드 번호 개체 틀 5">
             <a:extLst>
               <a:ext uri="{FF2B5EF4-FFF2-40B4-BE49-F238E27FC236}">
-                <a16:creationId xmlns:a16="http://schemas.microsoft.com/office/drawing/2014/main" id="{1F7056B1-7570-43FE-9A8A-82C793FBE259}"/>
+                <a16:creationId xmlns:a16="http://schemas.microsoft.com/office/drawing/2014/main" id="{BFDB26F9-DC3C-446C-BF00-3433F3D46B59}"/>
               </a:ext>
             </a:extLst>
           </p:cNvPr>
@@ -724,7 +715,7 @@
           <a:bodyPr/>
           <a:lstStyle/>
           <a:p>
-            <a:fld id="{982B7889-B5DA-4045-8C2E-2BE5B2A07587}" type="slidenum">
+            <a:fld id="{EB67DEE5-60FA-43B1-8C33-ED2FC92DD303}" type="slidenum">
               <a:rPr lang="ko-KR" altLang="en-US" smtClean="0"/>
               <a:t>‹#›</a:t>
             </a:fld>
@@ -735,7 +726,7 @@
     </p:spTree>
     <p:extLst>
       <p:ext uri="{BB962C8B-B14F-4D97-AF65-F5344CB8AC3E}">
-        <p14:creationId xmlns:p14="http://schemas.microsoft.com/office/powerpoint/2010/main" val="3484789154"/>
+        <p14:creationId xmlns:p14="http://schemas.microsoft.com/office/powerpoint/2010/main" val="65804515"/>
       </p:ext>
     </p:extLst>
   </p:cSld>
@@ -767,7 +758,7 @@
           <p:cNvPr id="2" name="제목 1">
             <a:extLst>
               <a:ext uri="{FF2B5EF4-FFF2-40B4-BE49-F238E27FC236}">
-                <a16:creationId xmlns:a16="http://schemas.microsoft.com/office/drawing/2014/main" id="{743BA9D6-D55C-4310-8266-EA8EAF273F77}"/>
+                <a16:creationId xmlns:a16="http://schemas.microsoft.com/office/drawing/2014/main" id="{994D0951-A638-4B7E-B987-C33D43EB7E2D}"/>
               </a:ext>
             </a:extLst>
           </p:cNvPr>
@@ -795,7 +786,7 @@
           <p:cNvPr id="3" name="내용 개체 틀 2">
             <a:extLst>
               <a:ext uri="{FF2B5EF4-FFF2-40B4-BE49-F238E27FC236}">
-                <a16:creationId xmlns:a16="http://schemas.microsoft.com/office/drawing/2014/main" id="{6375F830-3CA2-42FF-86A0-B2B763DBB1D4}"/>
+                <a16:creationId xmlns:a16="http://schemas.microsoft.com/office/drawing/2014/main" id="{4EB566FC-90C2-43B2-BEFB-C9445B5A42D4}"/>
               </a:ext>
             </a:extLst>
           </p:cNvPr>
@@ -852,7 +843,7 @@
           <p:cNvPr id="4" name="날짜 개체 틀 3">
             <a:extLst>
               <a:ext uri="{FF2B5EF4-FFF2-40B4-BE49-F238E27FC236}">
-                <a16:creationId xmlns:a16="http://schemas.microsoft.com/office/drawing/2014/main" id="{D8A6789E-BEFF-4132-8B8C-D71FE3CC7CC7}"/>
+                <a16:creationId xmlns:a16="http://schemas.microsoft.com/office/drawing/2014/main" id="{76B60A62-D289-4CAB-A261-EF63AC54D952}"/>
               </a:ext>
             </a:extLst>
           </p:cNvPr>
@@ -868,9 +859,9 @@
           <a:bodyPr/>
           <a:lstStyle/>
           <a:p>
-            <a:fld id="{9972BEA4-D5B3-4B56-B1A4-AE7B8B0B71CC}" type="datetimeFigureOut">
+            <a:fld id="{20085F0F-8AF8-48B4-8196-C35D7CEC1D2B}" type="datetimeFigureOut">
               <a:rPr lang="ko-KR" altLang="en-US" smtClean="0"/>
-              <a:t>2021-02-20</a:t>
+              <a:t>2020-12-18</a:t>
             </a:fld>
             <a:endParaRPr lang="ko-KR" altLang="en-US"/>
           </a:p>
@@ -881,7 +872,7 @@
           <p:cNvPr id="5" name="바닥글 개체 틀 4">
             <a:extLst>
               <a:ext uri="{FF2B5EF4-FFF2-40B4-BE49-F238E27FC236}">
-                <a16:creationId xmlns:a16="http://schemas.microsoft.com/office/drawing/2014/main" id="{BEAA0592-62AD-4A7D-8AF3-3FDD9A8009C9}"/>
+                <a16:creationId xmlns:a16="http://schemas.microsoft.com/office/drawing/2014/main" id="{0E0C4B4C-01B5-4A6A-BD85-5ABF98F18460}"/>
               </a:ext>
             </a:extLst>
           </p:cNvPr>
@@ -906,7 +897,7 @@
           <p:cNvPr id="6" name="슬라이드 번호 개체 틀 5">
             <a:extLst>
               <a:ext uri="{FF2B5EF4-FFF2-40B4-BE49-F238E27FC236}">
-                <a16:creationId xmlns:a16="http://schemas.microsoft.com/office/drawing/2014/main" id="{4DA65691-3347-497B-946B-B9113ADF7DA7}"/>
+                <a16:creationId xmlns:a16="http://schemas.microsoft.com/office/drawing/2014/main" id="{DC1609CE-D109-4B9B-A698-EEED2C39448C}"/>
               </a:ext>
             </a:extLst>
           </p:cNvPr>
@@ -922,7 +913,7 @@
           <a:bodyPr/>
           <a:lstStyle/>
           <a:p>
-            <a:fld id="{982B7889-B5DA-4045-8C2E-2BE5B2A07587}" type="slidenum">
+            <a:fld id="{EB67DEE5-60FA-43B1-8C33-ED2FC92DD303}" type="slidenum">
               <a:rPr lang="ko-KR" altLang="en-US" smtClean="0"/>
               <a:t>‹#›</a:t>
             </a:fld>
@@ -933,7 +924,7 @@
     </p:spTree>
     <p:extLst>
       <p:ext uri="{BB962C8B-B14F-4D97-AF65-F5344CB8AC3E}">
-        <p14:creationId xmlns:p14="http://schemas.microsoft.com/office/powerpoint/2010/main" val="2012495826"/>
+        <p14:creationId xmlns:p14="http://schemas.microsoft.com/office/powerpoint/2010/main" val="2918673785"/>
       </p:ext>
     </p:extLst>
   </p:cSld>
@@ -965,7 +956,7 @@
           <p:cNvPr id="2" name="제목 1">
             <a:extLst>
               <a:ext uri="{FF2B5EF4-FFF2-40B4-BE49-F238E27FC236}">
-                <a16:creationId xmlns:a16="http://schemas.microsoft.com/office/drawing/2014/main" id="{E7EAFA00-579A-4AE7-8733-C2579FAAEBA5}"/>
+                <a16:creationId xmlns:a16="http://schemas.microsoft.com/office/drawing/2014/main" id="{7207EA06-012A-4C42-9930-B7756ACC486F}"/>
               </a:ext>
             </a:extLst>
           </p:cNvPr>
@@ -1002,7 +993,7 @@
           <p:cNvPr id="3" name="텍스트 개체 틀 2">
             <a:extLst>
               <a:ext uri="{FF2B5EF4-FFF2-40B4-BE49-F238E27FC236}">
-                <a16:creationId xmlns:a16="http://schemas.microsoft.com/office/drawing/2014/main" id="{79C8DCE6-BE6C-436D-B0A1-6269D7DF5CE6}"/>
+                <a16:creationId xmlns:a16="http://schemas.microsoft.com/office/drawing/2014/main" id="{13B4B8B9-C6C7-4685-BE99-5CC086014F81}"/>
               </a:ext>
             </a:extLst>
           </p:cNvPr>
@@ -1127,7 +1118,7 @@
           <p:cNvPr id="4" name="날짜 개체 틀 3">
             <a:extLst>
               <a:ext uri="{FF2B5EF4-FFF2-40B4-BE49-F238E27FC236}">
-                <a16:creationId xmlns:a16="http://schemas.microsoft.com/office/drawing/2014/main" id="{51863968-46DF-48C4-AB76-25940136FF30}"/>
+                <a16:creationId xmlns:a16="http://schemas.microsoft.com/office/drawing/2014/main" id="{978FFC92-B881-4975-9C83-DB95531C3C87}"/>
               </a:ext>
             </a:extLst>
           </p:cNvPr>
@@ -1143,9 +1134,9 @@
           <a:bodyPr/>
           <a:lstStyle/>
           <a:p>
-            <a:fld id="{9972BEA4-D5B3-4B56-B1A4-AE7B8B0B71CC}" type="datetimeFigureOut">
+            <a:fld id="{20085F0F-8AF8-48B4-8196-C35D7CEC1D2B}" type="datetimeFigureOut">
               <a:rPr lang="ko-KR" altLang="en-US" smtClean="0"/>
-              <a:t>2021-02-20</a:t>
+              <a:t>2020-12-18</a:t>
             </a:fld>
             <a:endParaRPr lang="ko-KR" altLang="en-US"/>
           </a:p>
@@ -1156,7 +1147,7 @@
           <p:cNvPr id="5" name="바닥글 개체 틀 4">
             <a:extLst>
               <a:ext uri="{FF2B5EF4-FFF2-40B4-BE49-F238E27FC236}">
-                <a16:creationId xmlns:a16="http://schemas.microsoft.com/office/drawing/2014/main" id="{2B12FB9B-2F4D-45B1-B1BC-C69388D0B9D0}"/>
+                <a16:creationId xmlns:a16="http://schemas.microsoft.com/office/drawing/2014/main" id="{3B9A85F7-E5BE-4467-B08E-C05A8837A4FF}"/>
               </a:ext>
             </a:extLst>
           </p:cNvPr>
@@ -1181,7 +1172,7 @@
           <p:cNvPr id="6" name="슬라이드 번호 개체 틀 5">
             <a:extLst>
               <a:ext uri="{FF2B5EF4-FFF2-40B4-BE49-F238E27FC236}">
-                <a16:creationId xmlns:a16="http://schemas.microsoft.com/office/drawing/2014/main" id="{8FF3098A-ACF2-414B-8B1C-1325A6A7DFD0}"/>
+                <a16:creationId xmlns:a16="http://schemas.microsoft.com/office/drawing/2014/main" id="{1B840B0B-77E0-4EFB-ADE7-C562007873A3}"/>
               </a:ext>
             </a:extLst>
           </p:cNvPr>
@@ -1197,7 +1188,7 @@
           <a:bodyPr/>
           <a:lstStyle/>
           <a:p>
-            <a:fld id="{982B7889-B5DA-4045-8C2E-2BE5B2A07587}" type="slidenum">
+            <a:fld id="{EB67DEE5-60FA-43B1-8C33-ED2FC92DD303}" type="slidenum">
               <a:rPr lang="ko-KR" altLang="en-US" smtClean="0"/>
               <a:t>‹#›</a:t>
             </a:fld>
@@ -1208,7 +1199,7 @@
     </p:spTree>
     <p:extLst>
       <p:ext uri="{BB962C8B-B14F-4D97-AF65-F5344CB8AC3E}">
-        <p14:creationId xmlns:p14="http://schemas.microsoft.com/office/powerpoint/2010/main" val="735455189"/>
+        <p14:creationId xmlns:p14="http://schemas.microsoft.com/office/powerpoint/2010/main" val="750361831"/>
       </p:ext>
     </p:extLst>
   </p:cSld>
@@ -1240,7 +1231,7 @@
           <p:cNvPr id="2" name="제목 1">
             <a:extLst>
               <a:ext uri="{FF2B5EF4-FFF2-40B4-BE49-F238E27FC236}">
-                <a16:creationId xmlns:a16="http://schemas.microsoft.com/office/drawing/2014/main" id="{F443FE8F-65E6-4790-8C39-4B055F80EBC7}"/>
+                <a16:creationId xmlns:a16="http://schemas.microsoft.com/office/drawing/2014/main" id="{165BE042-556E-4F0C-A134-29DE4C258A5D}"/>
               </a:ext>
             </a:extLst>
           </p:cNvPr>
@@ -1268,7 +1259,7 @@
           <p:cNvPr id="3" name="내용 개체 틀 2">
             <a:extLst>
               <a:ext uri="{FF2B5EF4-FFF2-40B4-BE49-F238E27FC236}">
-                <a16:creationId xmlns:a16="http://schemas.microsoft.com/office/drawing/2014/main" id="{A53BF32F-9D75-4EB7-9F33-2F648EFCC628}"/>
+                <a16:creationId xmlns:a16="http://schemas.microsoft.com/office/drawing/2014/main" id="{12C7E1C0-5708-4EB6-B746-D4DD3532BFB9}"/>
               </a:ext>
             </a:extLst>
           </p:cNvPr>
@@ -1330,7 +1321,7 @@
           <p:cNvPr id="4" name="내용 개체 틀 3">
             <a:extLst>
               <a:ext uri="{FF2B5EF4-FFF2-40B4-BE49-F238E27FC236}">
-                <a16:creationId xmlns:a16="http://schemas.microsoft.com/office/drawing/2014/main" id="{A73ADD7A-41C6-4FAB-B8EB-1487DE198695}"/>
+                <a16:creationId xmlns:a16="http://schemas.microsoft.com/office/drawing/2014/main" id="{4EEEA468-5403-4E4E-B963-55B14459C55B}"/>
               </a:ext>
             </a:extLst>
           </p:cNvPr>
@@ -1392,7 +1383,7 @@
           <p:cNvPr id="5" name="날짜 개체 틀 4">
             <a:extLst>
               <a:ext uri="{FF2B5EF4-FFF2-40B4-BE49-F238E27FC236}">
-                <a16:creationId xmlns:a16="http://schemas.microsoft.com/office/drawing/2014/main" id="{033D3661-C51B-473E-B510-B990B6712C3E}"/>
+                <a16:creationId xmlns:a16="http://schemas.microsoft.com/office/drawing/2014/main" id="{ADED4009-6C65-4713-BEE4-FD54DC99BF5E}"/>
               </a:ext>
             </a:extLst>
           </p:cNvPr>
@@ -1408,9 +1399,9 @@
           <a:bodyPr/>
           <a:lstStyle/>
           <a:p>
-            <a:fld id="{9972BEA4-D5B3-4B56-B1A4-AE7B8B0B71CC}" type="datetimeFigureOut">
+            <a:fld id="{20085F0F-8AF8-48B4-8196-C35D7CEC1D2B}" type="datetimeFigureOut">
               <a:rPr lang="ko-KR" altLang="en-US" smtClean="0"/>
-              <a:t>2021-02-20</a:t>
+              <a:t>2020-12-18</a:t>
             </a:fld>
             <a:endParaRPr lang="ko-KR" altLang="en-US"/>
           </a:p>
@@ -1421,7 +1412,7 @@
           <p:cNvPr id="6" name="바닥글 개체 틀 5">
             <a:extLst>
               <a:ext uri="{FF2B5EF4-FFF2-40B4-BE49-F238E27FC236}">
-                <a16:creationId xmlns:a16="http://schemas.microsoft.com/office/drawing/2014/main" id="{B9090E40-D8D3-456C-82E2-0F3AF4C9E64B}"/>
+                <a16:creationId xmlns:a16="http://schemas.microsoft.com/office/drawing/2014/main" id="{323C2F6A-88EF-4780-84CD-0D1933C1E319}"/>
               </a:ext>
             </a:extLst>
           </p:cNvPr>
@@ -1446,7 +1437,7 @@
           <p:cNvPr id="7" name="슬라이드 번호 개체 틀 6">
             <a:extLst>
               <a:ext uri="{FF2B5EF4-FFF2-40B4-BE49-F238E27FC236}">
-                <a16:creationId xmlns:a16="http://schemas.microsoft.com/office/drawing/2014/main" id="{7E2A469A-2447-4D34-A5A5-5990D46183CC}"/>
+                <a16:creationId xmlns:a16="http://schemas.microsoft.com/office/drawing/2014/main" id="{51143131-829A-4512-94C8-0006AE3127F0}"/>
               </a:ext>
             </a:extLst>
           </p:cNvPr>
@@ -1462,7 +1453,7 @@
           <a:bodyPr/>
           <a:lstStyle/>
           <a:p>
-            <a:fld id="{982B7889-B5DA-4045-8C2E-2BE5B2A07587}" type="slidenum">
+            <a:fld id="{EB67DEE5-60FA-43B1-8C33-ED2FC92DD303}" type="slidenum">
               <a:rPr lang="ko-KR" altLang="en-US" smtClean="0"/>
               <a:t>‹#›</a:t>
             </a:fld>
@@ -1473,7 +1464,7 @@
     </p:spTree>
     <p:extLst>
       <p:ext uri="{BB962C8B-B14F-4D97-AF65-F5344CB8AC3E}">
-        <p14:creationId xmlns:p14="http://schemas.microsoft.com/office/powerpoint/2010/main" val="3578579405"/>
+        <p14:creationId xmlns:p14="http://schemas.microsoft.com/office/powerpoint/2010/main" val="2396590907"/>
       </p:ext>
     </p:extLst>
   </p:cSld>
@@ -1505,7 +1496,7 @@
           <p:cNvPr id="2" name="제목 1">
             <a:extLst>
               <a:ext uri="{FF2B5EF4-FFF2-40B4-BE49-F238E27FC236}">
-                <a16:creationId xmlns:a16="http://schemas.microsoft.com/office/drawing/2014/main" id="{B8502288-5586-4E31-9393-9F39E60D329A}"/>
+                <a16:creationId xmlns:a16="http://schemas.microsoft.com/office/drawing/2014/main" id="{344680B9-52BF-42F1-BC99-8A13B0BBD75B}"/>
               </a:ext>
             </a:extLst>
           </p:cNvPr>
@@ -1538,7 +1529,7 @@
           <p:cNvPr id="3" name="텍스트 개체 틀 2">
             <a:extLst>
               <a:ext uri="{FF2B5EF4-FFF2-40B4-BE49-F238E27FC236}">
-                <a16:creationId xmlns:a16="http://schemas.microsoft.com/office/drawing/2014/main" id="{1EE6FDE2-D6A3-4E62-AFCE-6A3DBD325697}"/>
+                <a16:creationId xmlns:a16="http://schemas.microsoft.com/office/drawing/2014/main" id="{1A8C264E-28D7-411E-845F-9A5953431273}"/>
               </a:ext>
             </a:extLst>
           </p:cNvPr>
@@ -1609,7 +1600,7 @@
           <p:cNvPr id="4" name="내용 개체 틀 3">
             <a:extLst>
               <a:ext uri="{FF2B5EF4-FFF2-40B4-BE49-F238E27FC236}">
-                <a16:creationId xmlns:a16="http://schemas.microsoft.com/office/drawing/2014/main" id="{E6805F4B-D7CD-44D4-AAF1-FAB5C6BA0E42}"/>
+                <a16:creationId xmlns:a16="http://schemas.microsoft.com/office/drawing/2014/main" id="{ED4436F6-20A6-415C-B9DF-831B91217C86}"/>
               </a:ext>
             </a:extLst>
           </p:cNvPr>
@@ -1671,7 +1662,7 @@
           <p:cNvPr id="5" name="텍스트 개체 틀 4">
             <a:extLst>
               <a:ext uri="{FF2B5EF4-FFF2-40B4-BE49-F238E27FC236}">
-                <a16:creationId xmlns:a16="http://schemas.microsoft.com/office/drawing/2014/main" id="{19BD7010-D07E-49E9-9926-90AE0594F0A3}"/>
+                <a16:creationId xmlns:a16="http://schemas.microsoft.com/office/drawing/2014/main" id="{4B4A1663-0CF6-4FF1-A16D-5804647C906A}"/>
               </a:ext>
             </a:extLst>
           </p:cNvPr>
@@ -1742,7 +1733,7 @@
           <p:cNvPr id="6" name="내용 개체 틀 5">
             <a:extLst>
               <a:ext uri="{FF2B5EF4-FFF2-40B4-BE49-F238E27FC236}">
-                <a16:creationId xmlns:a16="http://schemas.microsoft.com/office/drawing/2014/main" id="{3C33117E-4239-48E8-8FF8-76918C97A57F}"/>
+                <a16:creationId xmlns:a16="http://schemas.microsoft.com/office/drawing/2014/main" id="{70626569-37D9-4C52-8228-F36954E681CC}"/>
               </a:ext>
             </a:extLst>
           </p:cNvPr>
@@ -1804,7 +1795,7 @@
           <p:cNvPr id="7" name="날짜 개체 틀 6">
             <a:extLst>
               <a:ext uri="{FF2B5EF4-FFF2-40B4-BE49-F238E27FC236}">
-                <a16:creationId xmlns:a16="http://schemas.microsoft.com/office/drawing/2014/main" id="{0CDF2797-6F73-494F-8699-D96DE05C7E9A}"/>
+                <a16:creationId xmlns:a16="http://schemas.microsoft.com/office/drawing/2014/main" id="{6BF553A4-17BD-4A4A-AD9F-75F9BF11F263}"/>
               </a:ext>
             </a:extLst>
           </p:cNvPr>
@@ -1820,9 +1811,9 @@
           <a:bodyPr/>
           <a:lstStyle/>
           <a:p>
-            <a:fld id="{9972BEA4-D5B3-4B56-B1A4-AE7B8B0B71CC}" type="datetimeFigureOut">
+            <a:fld id="{20085F0F-8AF8-48B4-8196-C35D7CEC1D2B}" type="datetimeFigureOut">
               <a:rPr lang="ko-KR" altLang="en-US" smtClean="0"/>
-              <a:t>2021-02-20</a:t>
+              <a:t>2020-12-18</a:t>
             </a:fld>
             <a:endParaRPr lang="ko-KR" altLang="en-US"/>
           </a:p>
@@ -1833,7 +1824,7 @@
           <p:cNvPr id="8" name="바닥글 개체 틀 7">
             <a:extLst>
               <a:ext uri="{FF2B5EF4-FFF2-40B4-BE49-F238E27FC236}">
-                <a16:creationId xmlns:a16="http://schemas.microsoft.com/office/drawing/2014/main" id="{F205CAD5-F4B1-4E79-AB67-C4519DBCA270}"/>
+                <a16:creationId xmlns:a16="http://schemas.microsoft.com/office/drawing/2014/main" id="{2A28E363-250E-4752-8EF3-F319C67924B9}"/>
               </a:ext>
             </a:extLst>
           </p:cNvPr>
@@ -1858,7 +1849,7 @@
           <p:cNvPr id="9" name="슬라이드 번호 개체 틀 8">
             <a:extLst>
               <a:ext uri="{FF2B5EF4-FFF2-40B4-BE49-F238E27FC236}">
-                <a16:creationId xmlns:a16="http://schemas.microsoft.com/office/drawing/2014/main" id="{F3743075-A4D1-4567-81A9-20D41FB59A22}"/>
+                <a16:creationId xmlns:a16="http://schemas.microsoft.com/office/drawing/2014/main" id="{F82CAFE3-D87B-4E7C-B982-01DCC43F6A57}"/>
               </a:ext>
             </a:extLst>
           </p:cNvPr>
@@ -1874,7 +1865,7 @@
           <a:bodyPr/>
           <a:lstStyle/>
           <a:p>
-            <a:fld id="{982B7889-B5DA-4045-8C2E-2BE5B2A07587}" type="slidenum">
+            <a:fld id="{EB67DEE5-60FA-43B1-8C33-ED2FC92DD303}" type="slidenum">
               <a:rPr lang="ko-KR" altLang="en-US" smtClean="0"/>
               <a:t>‹#›</a:t>
             </a:fld>
@@ -1885,7 +1876,7 @@
     </p:spTree>
     <p:extLst>
       <p:ext uri="{BB962C8B-B14F-4D97-AF65-F5344CB8AC3E}">
-        <p14:creationId xmlns:p14="http://schemas.microsoft.com/office/powerpoint/2010/main" val="903824191"/>
+        <p14:creationId xmlns:p14="http://schemas.microsoft.com/office/powerpoint/2010/main" val="655351363"/>
       </p:ext>
     </p:extLst>
   </p:cSld>
@@ -1917,7 +1908,7 @@
           <p:cNvPr id="2" name="제목 1">
             <a:extLst>
               <a:ext uri="{FF2B5EF4-FFF2-40B4-BE49-F238E27FC236}">
-                <a16:creationId xmlns:a16="http://schemas.microsoft.com/office/drawing/2014/main" id="{1AD8ECFF-2BC3-4FC9-902B-92E9E1589553}"/>
+                <a16:creationId xmlns:a16="http://schemas.microsoft.com/office/drawing/2014/main" id="{4BC9894E-9E71-4C1C-AACA-DAF0DA69DC95}"/>
               </a:ext>
             </a:extLst>
           </p:cNvPr>
@@ -1945,7 +1936,7 @@
           <p:cNvPr id="3" name="날짜 개체 틀 2">
             <a:extLst>
               <a:ext uri="{FF2B5EF4-FFF2-40B4-BE49-F238E27FC236}">
-                <a16:creationId xmlns:a16="http://schemas.microsoft.com/office/drawing/2014/main" id="{E8F39408-D31F-46D1-A97F-EA45203458B4}"/>
+                <a16:creationId xmlns:a16="http://schemas.microsoft.com/office/drawing/2014/main" id="{B56CA38D-B36F-462E-B94C-B3A708953654}"/>
               </a:ext>
             </a:extLst>
           </p:cNvPr>
@@ -1961,9 +1952,9 @@
           <a:bodyPr/>
           <a:lstStyle/>
           <a:p>
-            <a:fld id="{9972BEA4-D5B3-4B56-B1A4-AE7B8B0B71CC}" type="datetimeFigureOut">
+            <a:fld id="{20085F0F-8AF8-48B4-8196-C35D7CEC1D2B}" type="datetimeFigureOut">
               <a:rPr lang="ko-KR" altLang="en-US" smtClean="0"/>
-              <a:t>2021-02-20</a:t>
+              <a:t>2020-12-18</a:t>
             </a:fld>
             <a:endParaRPr lang="ko-KR" altLang="en-US"/>
           </a:p>
@@ -1974,7 +1965,7 @@
           <p:cNvPr id="4" name="바닥글 개체 틀 3">
             <a:extLst>
               <a:ext uri="{FF2B5EF4-FFF2-40B4-BE49-F238E27FC236}">
-                <a16:creationId xmlns:a16="http://schemas.microsoft.com/office/drawing/2014/main" id="{5877BC4F-94CC-4E00-ACBE-181BAFA1B007}"/>
+                <a16:creationId xmlns:a16="http://schemas.microsoft.com/office/drawing/2014/main" id="{A9CFAC3A-52BF-4707-8F00-F61D261D1730}"/>
               </a:ext>
             </a:extLst>
           </p:cNvPr>
@@ -1999,7 +1990,7 @@
           <p:cNvPr id="5" name="슬라이드 번호 개체 틀 4">
             <a:extLst>
               <a:ext uri="{FF2B5EF4-FFF2-40B4-BE49-F238E27FC236}">
-                <a16:creationId xmlns:a16="http://schemas.microsoft.com/office/drawing/2014/main" id="{CE13BC43-C082-4963-AEDB-F27F8351A2B9}"/>
+                <a16:creationId xmlns:a16="http://schemas.microsoft.com/office/drawing/2014/main" id="{E79C446B-15E5-4424-84AE-79DF8308D936}"/>
               </a:ext>
             </a:extLst>
           </p:cNvPr>
@@ -2015,7 +2006,7 @@
           <a:bodyPr/>
           <a:lstStyle/>
           <a:p>
-            <a:fld id="{982B7889-B5DA-4045-8C2E-2BE5B2A07587}" type="slidenum">
+            <a:fld id="{EB67DEE5-60FA-43B1-8C33-ED2FC92DD303}" type="slidenum">
               <a:rPr lang="ko-KR" altLang="en-US" smtClean="0"/>
               <a:t>‹#›</a:t>
             </a:fld>
@@ -2026,7 +2017,7 @@
     </p:spTree>
     <p:extLst>
       <p:ext uri="{BB962C8B-B14F-4D97-AF65-F5344CB8AC3E}">
-        <p14:creationId xmlns:p14="http://schemas.microsoft.com/office/powerpoint/2010/main" val="749499481"/>
+        <p14:creationId xmlns:p14="http://schemas.microsoft.com/office/powerpoint/2010/main" val="2503622844"/>
       </p:ext>
     </p:extLst>
   </p:cSld>
@@ -2058,7 +2049,7 @@
           <p:cNvPr id="2" name="날짜 개체 틀 1">
             <a:extLst>
               <a:ext uri="{FF2B5EF4-FFF2-40B4-BE49-F238E27FC236}">
-                <a16:creationId xmlns:a16="http://schemas.microsoft.com/office/drawing/2014/main" id="{B2B95201-4761-4EB1-9743-00B4C44497AA}"/>
+                <a16:creationId xmlns:a16="http://schemas.microsoft.com/office/drawing/2014/main" id="{8B9ACEEA-FCEC-4771-9FA6-3456D99B9A8E}"/>
               </a:ext>
             </a:extLst>
           </p:cNvPr>
@@ -2074,9 +2065,9 @@
           <a:bodyPr/>
           <a:lstStyle/>
           <a:p>
-            <a:fld id="{9972BEA4-D5B3-4B56-B1A4-AE7B8B0B71CC}" type="datetimeFigureOut">
+            <a:fld id="{20085F0F-8AF8-48B4-8196-C35D7CEC1D2B}" type="datetimeFigureOut">
               <a:rPr lang="ko-KR" altLang="en-US" smtClean="0"/>
-              <a:t>2021-02-20</a:t>
+              <a:t>2020-12-18</a:t>
             </a:fld>
             <a:endParaRPr lang="ko-KR" altLang="en-US"/>
           </a:p>
@@ -2087,7 +2078,7 @@
           <p:cNvPr id="3" name="바닥글 개체 틀 2">
             <a:extLst>
               <a:ext uri="{FF2B5EF4-FFF2-40B4-BE49-F238E27FC236}">
-                <a16:creationId xmlns:a16="http://schemas.microsoft.com/office/drawing/2014/main" id="{C8E58DBF-1DE3-48AD-BBE3-05DDF2AE729E}"/>
+                <a16:creationId xmlns:a16="http://schemas.microsoft.com/office/drawing/2014/main" id="{FD5E64E8-F5E3-428D-A162-348B5A6CD5AD}"/>
               </a:ext>
             </a:extLst>
           </p:cNvPr>
@@ -2112,7 +2103,7 @@
           <p:cNvPr id="4" name="슬라이드 번호 개체 틀 3">
             <a:extLst>
               <a:ext uri="{FF2B5EF4-FFF2-40B4-BE49-F238E27FC236}">
-                <a16:creationId xmlns:a16="http://schemas.microsoft.com/office/drawing/2014/main" id="{B8AE55C5-6EF2-4D2D-8882-8663AFA49D07}"/>
+                <a16:creationId xmlns:a16="http://schemas.microsoft.com/office/drawing/2014/main" id="{C062FEA4-B1E3-4A5E-9BDE-4DD75E96B0A0}"/>
               </a:ext>
             </a:extLst>
           </p:cNvPr>
@@ -2128,7 +2119,7 @@
           <a:bodyPr/>
           <a:lstStyle/>
           <a:p>
-            <a:fld id="{982B7889-B5DA-4045-8C2E-2BE5B2A07587}" type="slidenum">
+            <a:fld id="{EB67DEE5-60FA-43B1-8C33-ED2FC92DD303}" type="slidenum">
               <a:rPr lang="ko-KR" altLang="en-US" smtClean="0"/>
               <a:t>‹#›</a:t>
             </a:fld>
@@ -2139,7 +2130,7 @@
     </p:spTree>
     <p:extLst>
       <p:ext uri="{BB962C8B-B14F-4D97-AF65-F5344CB8AC3E}">
-        <p14:creationId xmlns:p14="http://schemas.microsoft.com/office/powerpoint/2010/main" val="2045115964"/>
+        <p14:creationId xmlns:p14="http://schemas.microsoft.com/office/powerpoint/2010/main" val="499787553"/>
       </p:ext>
     </p:extLst>
   </p:cSld>
@@ -2171,7 +2162,7 @@
           <p:cNvPr id="2" name="제목 1">
             <a:extLst>
               <a:ext uri="{FF2B5EF4-FFF2-40B4-BE49-F238E27FC236}">
-                <a16:creationId xmlns:a16="http://schemas.microsoft.com/office/drawing/2014/main" id="{3C1FF0D3-C141-4464-A089-6831B3DCA26A}"/>
+                <a16:creationId xmlns:a16="http://schemas.microsoft.com/office/drawing/2014/main" id="{02E97AD8-E3FB-480A-8F20-A35D7295A534}"/>
               </a:ext>
             </a:extLst>
           </p:cNvPr>
@@ -2208,7 +2199,7 @@
           <p:cNvPr id="3" name="내용 개체 틀 2">
             <a:extLst>
               <a:ext uri="{FF2B5EF4-FFF2-40B4-BE49-F238E27FC236}">
-                <a16:creationId xmlns:a16="http://schemas.microsoft.com/office/drawing/2014/main" id="{A56CBF15-9F56-439A-A6AE-459922E73269}"/>
+                <a16:creationId xmlns:a16="http://schemas.microsoft.com/office/drawing/2014/main" id="{623FA063-A71A-423E-A91A-4F03E91C953E}"/>
               </a:ext>
             </a:extLst>
           </p:cNvPr>
@@ -2298,7 +2289,7 @@
           <p:cNvPr id="4" name="텍스트 개체 틀 3">
             <a:extLst>
               <a:ext uri="{FF2B5EF4-FFF2-40B4-BE49-F238E27FC236}">
-                <a16:creationId xmlns:a16="http://schemas.microsoft.com/office/drawing/2014/main" id="{E5282708-5FFE-4A09-A1F0-69FBC0C347EE}"/>
+                <a16:creationId xmlns:a16="http://schemas.microsoft.com/office/drawing/2014/main" id="{90E8D346-38A6-4649-8428-5E9AEFC0B441}"/>
               </a:ext>
             </a:extLst>
           </p:cNvPr>
@@ -2369,7 +2360,7 @@
           <p:cNvPr id="5" name="날짜 개체 틀 4">
             <a:extLst>
               <a:ext uri="{FF2B5EF4-FFF2-40B4-BE49-F238E27FC236}">
-                <a16:creationId xmlns:a16="http://schemas.microsoft.com/office/drawing/2014/main" id="{83695FD3-ED9F-41BE-925F-80C613EDDEA3}"/>
+                <a16:creationId xmlns:a16="http://schemas.microsoft.com/office/drawing/2014/main" id="{153DDC71-096F-423E-8F88-AAFC177185FB}"/>
               </a:ext>
             </a:extLst>
           </p:cNvPr>
@@ -2385,9 +2376,9 @@
           <a:bodyPr/>
           <a:lstStyle/>
           <a:p>
-            <a:fld id="{9972BEA4-D5B3-4B56-B1A4-AE7B8B0B71CC}" type="datetimeFigureOut">
+            <a:fld id="{20085F0F-8AF8-48B4-8196-C35D7CEC1D2B}" type="datetimeFigureOut">
               <a:rPr lang="ko-KR" altLang="en-US" smtClean="0"/>
-              <a:t>2021-02-20</a:t>
+              <a:t>2020-12-18</a:t>
             </a:fld>
             <a:endParaRPr lang="ko-KR" altLang="en-US"/>
           </a:p>
@@ -2398,7 +2389,7 @@
           <p:cNvPr id="6" name="바닥글 개체 틀 5">
             <a:extLst>
               <a:ext uri="{FF2B5EF4-FFF2-40B4-BE49-F238E27FC236}">
-                <a16:creationId xmlns:a16="http://schemas.microsoft.com/office/drawing/2014/main" id="{FF91ED65-1F49-4B7B-BA73-375811FF71D1}"/>
+                <a16:creationId xmlns:a16="http://schemas.microsoft.com/office/drawing/2014/main" id="{6F6F5A74-B088-4930-84A4-C8043738BB6A}"/>
               </a:ext>
             </a:extLst>
           </p:cNvPr>
@@ -2423,7 +2414,7 @@
           <p:cNvPr id="7" name="슬라이드 번호 개체 틀 6">
             <a:extLst>
               <a:ext uri="{FF2B5EF4-FFF2-40B4-BE49-F238E27FC236}">
-                <a16:creationId xmlns:a16="http://schemas.microsoft.com/office/drawing/2014/main" id="{183745AD-382D-4CDD-9A69-9D4AC0BAB438}"/>
+                <a16:creationId xmlns:a16="http://schemas.microsoft.com/office/drawing/2014/main" id="{2A7036DD-E0AB-48B9-BEFD-C926682E9CC4}"/>
               </a:ext>
             </a:extLst>
           </p:cNvPr>
@@ -2439,7 +2430,7 @@
           <a:bodyPr/>
           <a:lstStyle/>
           <a:p>
-            <a:fld id="{982B7889-B5DA-4045-8C2E-2BE5B2A07587}" type="slidenum">
+            <a:fld id="{EB67DEE5-60FA-43B1-8C33-ED2FC92DD303}" type="slidenum">
               <a:rPr lang="ko-KR" altLang="en-US" smtClean="0"/>
               <a:t>‹#›</a:t>
             </a:fld>
@@ -2450,7 +2441,7 @@
     </p:spTree>
     <p:extLst>
       <p:ext uri="{BB962C8B-B14F-4D97-AF65-F5344CB8AC3E}">
-        <p14:creationId xmlns:p14="http://schemas.microsoft.com/office/powerpoint/2010/main" val="1338262752"/>
+        <p14:creationId xmlns:p14="http://schemas.microsoft.com/office/powerpoint/2010/main" val="4015304929"/>
       </p:ext>
     </p:extLst>
   </p:cSld>
@@ -2482,7 +2473,7 @@
           <p:cNvPr id="2" name="제목 1">
             <a:extLst>
               <a:ext uri="{FF2B5EF4-FFF2-40B4-BE49-F238E27FC236}">
-                <a16:creationId xmlns:a16="http://schemas.microsoft.com/office/drawing/2014/main" id="{6D16758C-30A0-4908-868B-C47648D00A7F}"/>
+                <a16:creationId xmlns:a16="http://schemas.microsoft.com/office/drawing/2014/main" id="{81198F92-849F-45AC-BED0-279F3F4BF59D}"/>
               </a:ext>
             </a:extLst>
           </p:cNvPr>
@@ -2519,7 +2510,7 @@
           <p:cNvPr id="3" name="그림 개체 틀 2">
             <a:extLst>
               <a:ext uri="{FF2B5EF4-FFF2-40B4-BE49-F238E27FC236}">
-                <a16:creationId xmlns:a16="http://schemas.microsoft.com/office/drawing/2014/main" id="{5EB1FD0F-B348-4950-895C-1BB34BD0E6D2}"/>
+                <a16:creationId xmlns:a16="http://schemas.microsoft.com/office/drawing/2014/main" id="{E9409025-FC35-433B-A50F-EF6E6548B48D}"/>
               </a:ext>
             </a:extLst>
           </p:cNvPr>
@@ -2586,7 +2577,7 @@
           <p:cNvPr id="4" name="텍스트 개체 틀 3">
             <a:extLst>
               <a:ext uri="{FF2B5EF4-FFF2-40B4-BE49-F238E27FC236}">
-                <a16:creationId xmlns:a16="http://schemas.microsoft.com/office/drawing/2014/main" id="{858A1FF2-B2A9-442A-BF7F-C7D2F3B48D45}"/>
+                <a16:creationId xmlns:a16="http://schemas.microsoft.com/office/drawing/2014/main" id="{5AAF2DF9-24AC-42DF-9A85-6400B01AB604}"/>
               </a:ext>
             </a:extLst>
           </p:cNvPr>
@@ -2657,7 +2648,7 @@
           <p:cNvPr id="5" name="날짜 개체 틀 4">
             <a:extLst>
               <a:ext uri="{FF2B5EF4-FFF2-40B4-BE49-F238E27FC236}">
-                <a16:creationId xmlns:a16="http://schemas.microsoft.com/office/drawing/2014/main" id="{ED996857-762D-47F7-9CC2-009C2C4BCF11}"/>
+                <a16:creationId xmlns:a16="http://schemas.microsoft.com/office/drawing/2014/main" id="{29988B95-92D7-48A2-8995-62E6A496EF0B}"/>
               </a:ext>
             </a:extLst>
           </p:cNvPr>
@@ -2673,9 +2664,9 @@
           <a:bodyPr/>
           <a:lstStyle/>
           <a:p>
-            <a:fld id="{9972BEA4-D5B3-4B56-B1A4-AE7B8B0B71CC}" type="datetimeFigureOut">
+            <a:fld id="{20085F0F-8AF8-48B4-8196-C35D7CEC1D2B}" type="datetimeFigureOut">
               <a:rPr lang="ko-KR" altLang="en-US" smtClean="0"/>
-              <a:t>2021-02-20</a:t>
+              <a:t>2020-12-18</a:t>
             </a:fld>
             <a:endParaRPr lang="ko-KR" altLang="en-US"/>
           </a:p>
@@ -2686,7 +2677,7 @@
           <p:cNvPr id="6" name="바닥글 개체 틀 5">
             <a:extLst>
               <a:ext uri="{FF2B5EF4-FFF2-40B4-BE49-F238E27FC236}">
-                <a16:creationId xmlns:a16="http://schemas.microsoft.com/office/drawing/2014/main" id="{EDE67347-7C3D-4492-8F14-A960866CACFD}"/>
+                <a16:creationId xmlns:a16="http://schemas.microsoft.com/office/drawing/2014/main" id="{57741B7A-A050-4255-87A6-238C34F565D1}"/>
               </a:ext>
             </a:extLst>
           </p:cNvPr>
@@ -2711,7 +2702,7 @@
           <p:cNvPr id="7" name="슬라이드 번호 개체 틀 6">
             <a:extLst>
               <a:ext uri="{FF2B5EF4-FFF2-40B4-BE49-F238E27FC236}">
-                <a16:creationId xmlns:a16="http://schemas.microsoft.com/office/drawing/2014/main" id="{54F701AE-F9A5-4704-B57A-8259EFC7BA70}"/>
+                <a16:creationId xmlns:a16="http://schemas.microsoft.com/office/drawing/2014/main" id="{2188422F-8305-4E40-BB68-59421046BD1B}"/>
               </a:ext>
             </a:extLst>
           </p:cNvPr>
@@ -2727,7 +2718,7 @@
           <a:bodyPr/>
           <a:lstStyle/>
           <a:p>
-            <a:fld id="{982B7889-B5DA-4045-8C2E-2BE5B2A07587}" type="slidenum">
+            <a:fld id="{EB67DEE5-60FA-43B1-8C33-ED2FC92DD303}" type="slidenum">
               <a:rPr lang="ko-KR" altLang="en-US" smtClean="0"/>
               <a:t>‹#›</a:t>
             </a:fld>
@@ -2738,7 +2729,7 @@
     </p:spTree>
     <p:extLst>
       <p:ext uri="{BB962C8B-B14F-4D97-AF65-F5344CB8AC3E}">
-        <p14:creationId xmlns:p14="http://schemas.microsoft.com/office/powerpoint/2010/main" val="3071957223"/>
+        <p14:creationId xmlns:p14="http://schemas.microsoft.com/office/powerpoint/2010/main" val="1072634211"/>
       </p:ext>
     </p:extLst>
   </p:cSld>
@@ -2775,7 +2766,7 @@
           <p:cNvPr id="2" name="제목 개체 틀 1">
             <a:extLst>
               <a:ext uri="{FF2B5EF4-FFF2-40B4-BE49-F238E27FC236}">
-                <a16:creationId xmlns:a16="http://schemas.microsoft.com/office/drawing/2014/main" id="{3EBB01BF-7783-47DE-B9D2-2EEF437D47C8}"/>
+                <a16:creationId xmlns:a16="http://schemas.microsoft.com/office/drawing/2014/main" id="{233C6846-B93A-48A7-89D7-6B29C0FADBB1}"/>
               </a:ext>
             </a:extLst>
           </p:cNvPr>
@@ -2813,7 +2804,7 @@
           <p:cNvPr id="3" name="텍스트 개체 틀 2">
             <a:extLst>
               <a:ext uri="{FF2B5EF4-FFF2-40B4-BE49-F238E27FC236}">
-                <a16:creationId xmlns:a16="http://schemas.microsoft.com/office/drawing/2014/main" id="{D0EAA28F-F4E7-4640-AB50-E98B5D9C83F0}"/>
+                <a16:creationId xmlns:a16="http://schemas.microsoft.com/office/drawing/2014/main" id="{9D56A17E-FF5D-46CC-9F9F-B99E6D2FF2C1}"/>
               </a:ext>
             </a:extLst>
           </p:cNvPr>
@@ -2880,7 +2871,7 @@
           <p:cNvPr id="4" name="날짜 개체 틀 3">
             <a:extLst>
               <a:ext uri="{FF2B5EF4-FFF2-40B4-BE49-F238E27FC236}">
-                <a16:creationId xmlns:a16="http://schemas.microsoft.com/office/drawing/2014/main" id="{46891A2F-7236-4D62-874F-9FD5A36EFF56}"/>
+                <a16:creationId xmlns:a16="http://schemas.microsoft.com/office/drawing/2014/main" id="{EF48D86E-20C6-4D09-B921-E2641D514726}"/>
               </a:ext>
             </a:extLst>
           </p:cNvPr>
@@ -2914,9 +2905,9 @@
             </a:lvl1pPr>
           </a:lstStyle>
           <a:p>
-            <a:fld id="{9972BEA4-D5B3-4B56-B1A4-AE7B8B0B71CC}" type="datetimeFigureOut">
+            <a:fld id="{20085F0F-8AF8-48B4-8196-C35D7CEC1D2B}" type="datetimeFigureOut">
               <a:rPr lang="ko-KR" altLang="en-US" smtClean="0"/>
-              <a:t>2021-02-20</a:t>
+              <a:t>2020-12-18</a:t>
             </a:fld>
             <a:endParaRPr lang="ko-KR" altLang="en-US"/>
           </a:p>
@@ -2927,7 +2918,7 @@
           <p:cNvPr id="5" name="바닥글 개체 틀 4">
             <a:extLst>
               <a:ext uri="{FF2B5EF4-FFF2-40B4-BE49-F238E27FC236}">
-                <a16:creationId xmlns:a16="http://schemas.microsoft.com/office/drawing/2014/main" id="{4B8B55CB-CD6D-4491-A63C-41A9ADB320D6}"/>
+                <a16:creationId xmlns:a16="http://schemas.microsoft.com/office/drawing/2014/main" id="{F66D7880-D258-470F-BD66-2B4A84FA549D}"/>
               </a:ext>
             </a:extLst>
           </p:cNvPr>
@@ -2970,7 +2961,7 @@
           <p:cNvPr id="6" name="슬라이드 번호 개체 틀 5">
             <a:extLst>
               <a:ext uri="{FF2B5EF4-FFF2-40B4-BE49-F238E27FC236}">
-                <a16:creationId xmlns:a16="http://schemas.microsoft.com/office/drawing/2014/main" id="{FA8A80F0-BC1A-4AFB-9D3D-8366ED9BEB1A}"/>
+                <a16:creationId xmlns:a16="http://schemas.microsoft.com/office/drawing/2014/main" id="{935CD1F4-99B2-4435-A433-0887C05F6CC0}"/>
               </a:ext>
             </a:extLst>
           </p:cNvPr>
@@ -3004,7 +2995,7 @@
             </a:lvl1pPr>
           </a:lstStyle>
           <a:p>
-            <a:fld id="{982B7889-B5DA-4045-8C2E-2BE5B2A07587}" type="slidenum">
+            <a:fld id="{EB67DEE5-60FA-43B1-8C33-ED2FC92DD303}" type="slidenum">
               <a:rPr lang="ko-KR" altLang="en-US" smtClean="0"/>
               <a:t>‹#›</a:t>
             </a:fld>
@@ -3015,7 +3006,7 @@
     </p:spTree>
     <p:extLst>
       <p:ext uri="{BB962C8B-B14F-4D97-AF65-F5344CB8AC3E}">
-        <p14:creationId xmlns:p14="http://schemas.microsoft.com/office/powerpoint/2010/main" val="3784306970"/>
+        <p14:creationId xmlns:p14="http://schemas.microsoft.com/office/powerpoint/2010/main" val="1070035522"/>
       </p:ext>
     </p:extLst>
   </p:cSld>
@@ -3335,88 +3326,90 @@
       </p:grpSpPr>
       <p:sp>
         <p:nvSpPr>
-          <p:cNvPr id="2" name="제목 1">
-            <a:extLst>
-              <a:ext uri="{FF2B5EF4-FFF2-40B4-BE49-F238E27FC236}">
-                <a16:creationId xmlns:a16="http://schemas.microsoft.com/office/drawing/2014/main" id="{FAF8D618-8D5A-4243-8447-3E4D2DC5BE80}"/>
-              </a:ext>
-            </a:extLst>
-          </p:cNvPr>
-          <p:cNvSpPr>
-            <a:spLocks noGrp="1"/>
-          </p:cNvSpPr>
-          <p:nvPr>
-            <p:ph type="ctrTitle"/>
-          </p:nvPr>
-        </p:nvSpPr>
-        <p:spPr/>
-        <p:txBody>
-          <a:bodyPr/>
-          <a:lstStyle/>
-          <a:p>
-            <a:r>
-              <a:rPr lang="ko-KR" altLang="en-US" dirty="0"/>
-              <a:t>퀸송이메이커</a:t>
-            </a:r>
-          </a:p>
-        </p:txBody>
-      </p:sp>
-      <p:sp>
-        <p:nvSpPr>
-          <p:cNvPr id="3" name="부제목 2">
-            <a:extLst>
-              <a:ext uri="{FF2B5EF4-FFF2-40B4-BE49-F238E27FC236}">
-                <a16:creationId xmlns:a16="http://schemas.microsoft.com/office/drawing/2014/main" id="{E8B43F44-F27F-4613-981E-55B1CE8D73DE}"/>
-              </a:ext>
-            </a:extLst>
-          </p:cNvPr>
-          <p:cNvSpPr>
-            <a:spLocks noGrp="1"/>
-          </p:cNvSpPr>
-          <p:nvPr>
-            <p:ph type="subTitle" idx="1"/>
-          </p:nvPr>
-        </p:nvSpPr>
-        <p:spPr/>
-        <p:txBody>
-          <a:bodyPr/>
-          <a:lstStyle/>
-          <a:p>
-            <a:r>
-              <a:rPr lang="ko-KR" altLang="en-US" dirty="0"/>
-              <a:t>박진희</a:t>
-            </a:r>
-            <a:r>
-              <a:rPr lang="en-US" altLang="ko-KR" dirty="0"/>
-              <a:t>, </a:t>
-            </a:r>
-            <a:r>
-              <a:rPr lang="ko-KR" altLang="en-US" dirty="0"/>
-              <a:t>강윤서</a:t>
-            </a:r>
-            <a:r>
-              <a:rPr lang="en-US" altLang="ko-KR" dirty="0"/>
-              <a:t>, </a:t>
-            </a:r>
-            <a:r>
-              <a:rPr lang="ko-KR" altLang="en-US" dirty="0" err="1"/>
-              <a:t>박단영</a:t>
-            </a:r>
-            <a:r>
-              <a:rPr lang="en-US" altLang="ko-KR" dirty="0"/>
-              <a:t>, </a:t>
-            </a:r>
-            <a:r>
-              <a:rPr lang="ko-KR" altLang="en-US" dirty="0"/>
-              <a:t>주혜지</a:t>
-            </a:r>
+          <p:cNvPr id="4" name="TextBox 3">
+            <a:extLst>
+              <a:ext uri="{FF2B5EF4-FFF2-40B4-BE49-F238E27FC236}">
+                <a16:creationId xmlns:a16="http://schemas.microsoft.com/office/drawing/2014/main" id="{C361320B-4E5C-4D62-9E80-2BF2D64E8380}"/>
+              </a:ext>
+            </a:extLst>
+          </p:cNvPr>
+          <p:cNvSpPr txBox="1"/>
+          <p:nvPr/>
+        </p:nvSpPr>
+        <p:spPr>
+          <a:xfrm>
+            <a:off x="4572000" y="352338"/>
+            <a:ext cx="1651414" cy="369332"/>
+          </a:xfrm>
+          <a:prstGeom prst="rect">
+            <a:avLst/>
+          </a:prstGeom>
+          <a:noFill/>
+        </p:spPr>
+        <p:txBody>
+          <a:bodyPr wrap="none" rtlCol="0">
+            <a:spAutoFit/>
+          </a:bodyPr>
+          <a:lstStyle/>
+          <a:p>
+            <a:r>
+              <a:rPr lang="ko-KR" altLang="en-US"/>
+              <a:t>퀸송이 메이커</a:t>
+            </a:r>
+          </a:p>
+        </p:txBody>
+      </p:sp>
+      <p:sp>
+        <p:nvSpPr>
+          <p:cNvPr id="5" name="TextBox 4">
+            <a:extLst>
+              <a:ext uri="{FF2B5EF4-FFF2-40B4-BE49-F238E27FC236}">
+                <a16:creationId xmlns:a16="http://schemas.microsoft.com/office/drawing/2014/main" id="{5F8AE6B7-9FEE-4A6F-B133-5D92E3A6DA11}"/>
+              </a:ext>
+            </a:extLst>
+          </p:cNvPr>
+          <p:cNvSpPr txBox="1"/>
+          <p:nvPr/>
+        </p:nvSpPr>
+        <p:spPr>
+          <a:xfrm>
+            <a:off x="1803632" y="3179428"/>
+            <a:ext cx="8283037" cy="646331"/>
+          </a:xfrm>
+          <a:prstGeom prst="rect">
+            <a:avLst/>
+          </a:prstGeom>
+          <a:noFill/>
+        </p:spPr>
+        <p:txBody>
+          <a:bodyPr wrap="none" rtlCol="0">
+            <a:spAutoFit/>
+          </a:bodyPr>
+          <a:lstStyle/>
+          <a:p>
+            <a:pPr marL="285750" indent="-285750">
+              <a:buFont typeface="Arial" panose="020B0604020202020204" pitchFamily="34" charset="0"/>
+              <a:buChar char="•"/>
+            </a:pPr>
+            <a:r>
+              <a:rPr lang="ko-KR" altLang="en-US"/>
+              <a:t>눈송이 캐릭터를 제한된 기간 내에서 선택적으로 학습시켜 성장시키는 게임</a:t>
+            </a:r>
+            <a:endParaRPr lang="en-US" altLang="ko-KR"/>
+          </a:p>
+          <a:p>
+            <a:pPr marL="285750" indent="-285750">
+              <a:buFont typeface="Arial" panose="020B0604020202020204" pitchFamily="34" charset="0"/>
+              <a:buChar char="•"/>
+            </a:pPr>
+            <a:endParaRPr lang="en-US" altLang="ko-KR"/>
           </a:p>
         </p:txBody>
       </p:sp>
     </p:spTree>
     <p:extLst>
       <p:ext uri="{BB962C8B-B14F-4D97-AF65-F5344CB8AC3E}">
-        <p14:creationId xmlns:p14="http://schemas.microsoft.com/office/powerpoint/2010/main" val="2434903465"/>
+        <p14:creationId xmlns:p14="http://schemas.microsoft.com/office/powerpoint/2010/main" val="3715891876"/>
       </p:ext>
     </p:extLst>
   </p:cSld>
@@ -3445,93 +3438,218 @@
       </p:grpSpPr>
       <p:sp>
         <p:nvSpPr>
-          <p:cNvPr id="2" name="제목 1">
-            <a:extLst>
-              <a:ext uri="{FF2B5EF4-FFF2-40B4-BE49-F238E27FC236}">
-                <a16:creationId xmlns:a16="http://schemas.microsoft.com/office/drawing/2014/main" id="{2409A58D-7ADC-4411-8CF5-71EDACF02C0B}"/>
-              </a:ext>
-            </a:extLst>
-          </p:cNvPr>
-          <p:cNvSpPr>
-            <a:spLocks noGrp="1"/>
-          </p:cNvSpPr>
-          <p:nvPr>
-            <p:ph type="title"/>
-          </p:nvPr>
-        </p:nvSpPr>
-        <p:spPr/>
-        <p:txBody>
-          <a:bodyPr/>
-          <a:lstStyle/>
-          <a:p>
-            <a:r>
-              <a:rPr lang="ko-KR" altLang="en-US" dirty="0"/>
-              <a:t>목차</a:t>
-            </a:r>
-          </a:p>
-        </p:txBody>
-      </p:sp>
-      <p:sp>
-        <p:nvSpPr>
-          <p:cNvPr id="3" name="내용 개체 틀 2">
-            <a:extLst>
-              <a:ext uri="{FF2B5EF4-FFF2-40B4-BE49-F238E27FC236}">
-                <a16:creationId xmlns:a16="http://schemas.microsoft.com/office/drawing/2014/main" id="{59824F7C-37BE-4C10-BF67-FAD64F63E45C}"/>
-              </a:ext>
-            </a:extLst>
-          </p:cNvPr>
-          <p:cNvSpPr>
-            <a:spLocks noGrp="1"/>
-          </p:cNvSpPr>
-          <p:nvPr>
-            <p:ph idx="1"/>
-          </p:nvPr>
-        </p:nvSpPr>
-        <p:spPr/>
-        <p:txBody>
-          <a:bodyPr/>
-          <a:lstStyle/>
-          <a:p>
-            <a:r>
-              <a:rPr lang="ko-KR" altLang="en-US" dirty="0"/>
-              <a:t>게임소개</a:t>
-            </a:r>
-            <a:endParaRPr lang="en-US" altLang="ko-KR" dirty="0"/>
-          </a:p>
-          <a:p>
-            <a:r>
-              <a:rPr lang="ko-KR" altLang="en-US" dirty="0"/>
-              <a:t>게임내용</a:t>
-            </a:r>
-            <a:endParaRPr lang="en-US" altLang="ko-KR" dirty="0"/>
-          </a:p>
-          <a:p>
-            <a:r>
-              <a:rPr lang="ko-KR" altLang="en-US" dirty="0"/>
-              <a:t>개발 성공한 것</a:t>
-            </a:r>
-            <a:r>
-              <a:rPr lang="en-US" altLang="ko-KR" dirty="0"/>
+          <p:cNvPr id="4" name="TextBox 3">
+            <a:extLst>
+              <a:ext uri="{FF2B5EF4-FFF2-40B4-BE49-F238E27FC236}">
+                <a16:creationId xmlns:a16="http://schemas.microsoft.com/office/drawing/2014/main" id="{C361320B-4E5C-4D62-9E80-2BF2D64E8380}"/>
+              </a:ext>
+            </a:extLst>
+          </p:cNvPr>
+          <p:cNvSpPr txBox="1"/>
+          <p:nvPr/>
+        </p:nvSpPr>
+        <p:spPr>
+          <a:xfrm>
+            <a:off x="4454554" y="369116"/>
+            <a:ext cx="1651414" cy="369332"/>
+          </a:xfrm>
+          <a:prstGeom prst="rect">
+            <a:avLst/>
+          </a:prstGeom>
+          <a:noFill/>
+        </p:spPr>
+        <p:txBody>
+          <a:bodyPr wrap="none" rtlCol="0">
+            <a:spAutoFit/>
+          </a:bodyPr>
+          <a:lstStyle/>
+          <a:p>
+            <a:r>
+              <a:rPr lang="ko-KR" altLang="en-US"/>
+              <a:t>퀸송이 메이커</a:t>
+            </a:r>
+          </a:p>
+        </p:txBody>
+      </p:sp>
+      <p:sp>
+        <p:nvSpPr>
+          <p:cNvPr id="5" name="TextBox 4">
+            <a:extLst>
+              <a:ext uri="{FF2B5EF4-FFF2-40B4-BE49-F238E27FC236}">
+                <a16:creationId xmlns:a16="http://schemas.microsoft.com/office/drawing/2014/main" id="{5F8AE6B7-9FEE-4A6F-B133-5D92E3A6DA11}"/>
+              </a:ext>
+            </a:extLst>
+          </p:cNvPr>
+          <p:cNvSpPr txBox="1"/>
+          <p:nvPr/>
+        </p:nvSpPr>
+        <p:spPr>
+          <a:xfrm>
+            <a:off x="1795243" y="2692866"/>
+            <a:ext cx="9034846" cy="2585323"/>
+          </a:xfrm>
+          <a:prstGeom prst="rect">
+            <a:avLst/>
+          </a:prstGeom>
+          <a:noFill/>
+        </p:spPr>
+        <p:txBody>
+          <a:bodyPr wrap="none" rtlCol="0">
+            <a:spAutoFit/>
+          </a:bodyPr>
+          <a:lstStyle/>
+          <a:p>
+            <a:pPr marL="285750" indent="-285750">
+              <a:buFont typeface="Arial" panose="020B0604020202020204" pitchFamily="34" charset="0"/>
+              <a:buChar char="•"/>
+            </a:pPr>
+            <a:r>
+              <a:rPr lang="ko-KR" altLang="en-US"/>
+              <a:t>시작할 때 몇 가지의 선택지를 골라 전공이 설정됨</a:t>
+            </a:r>
+            <a:endParaRPr lang="en-US" altLang="ko-KR"/>
+          </a:p>
+          <a:p>
+            <a:pPr marL="285750" indent="-285750">
+              <a:buFont typeface="Arial" panose="020B0604020202020204" pitchFamily="34" charset="0"/>
+              <a:buChar char="•"/>
+            </a:pPr>
+            <a:r>
+              <a:rPr lang="ko-KR" altLang="en-US"/>
+              <a:t>총 </a:t>
+            </a:r>
+            <a:r>
+              <a:rPr lang="en-US" altLang="ko-KR"/>
+              <a:t>2</a:t>
+            </a:r>
+            <a:r>
+              <a:rPr lang="ko-KR" altLang="en-US"/>
+              <a:t>학기로 구성됨</a:t>
+            </a:r>
+            <a:r>
+              <a:rPr lang="en-US" altLang="ko-KR"/>
+              <a:t>(1</a:t>
+            </a:r>
+            <a:r>
+              <a:rPr lang="ko-KR" altLang="en-US"/>
+              <a:t>학기</a:t>
+            </a:r>
+            <a:r>
+              <a:rPr lang="en-US" altLang="ko-KR"/>
+              <a:t>-</a:t>
+            </a:r>
+            <a:r>
+              <a:rPr lang="ko-KR" altLang="en-US"/>
+              <a:t>방학</a:t>
+            </a:r>
+            <a:r>
+              <a:rPr lang="en-US" altLang="ko-KR"/>
+              <a:t>-2</a:t>
+            </a:r>
+            <a:r>
+              <a:rPr lang="ko-KR" altLang="en-US"/>
+              <a:t>학기</a:t>
+            </a:r>
+            <a:r>
+              <a:rPr lang="en-US" altLang="ko-KR"/>
+              <a:t>)</a:t>
+            </a:r>
+          </a:p>
+          <a:p>
+            <a:pPr marL="285750" indent="-285750">
+              <a:buFont typeface="Arial" panose="020B0604020202020204" pitchFamily="34" charset="0"/>
+              <a:buChar char="•"/>
+            </a:pPr>
+            <a:r>
+              <a:rPr lang="ko-KR" altLang="en-US"/>
+              <a:t>선택한 컨텐츠에 따라 얻은 스탯을 통해 </a:t>
+            </a:r>
+            <a:r>
+              <a:rPr lang="en-US" altLang="ko-KR"/>
+              <a:t>2</a:t>
+            </a:r>
+            <a:r>
+              <a:rPr lang="ko-KR" altLang="en-US"/>
+              <a:t>학기가 끝나고 직업이 결정되는 매커니즘</a:t>
+            </a:r>
+            <a:endParaRPr lang="en-US" altLang="ko-KR"/>
+          </a:p>
+          <a:p>
+            <a:pPr marL="285750" indent="-285750">
+              <a:buFont typeface="Arial" panose="020B0604020202020204" pitchFamily="34" charset="0"/>
+              <a:buChar char="•"/>
+            </a:pPr>
+            <a:r>
+              <a:rPr lang="ko-KR" altLang="en-US"/>
+              <a:t>방학 때 아르바이트나 대외활동을 통해 재화를 얻거나 추가스탯 획득 가능</a:t>
+            </a:r>
+            <a:endParaRPr lang="en-US" altLang="ko-KR"/>
+          </a:p>
+          <a:p>
+            <a:pPr marL="285750" indent="-285750">
+              <a:buFont typeface="Arial" panose="020B0604020202020204" pitchFamily="34" charset="0"/>
+              <a:buChar char="•"/>
+            </a:pPr>
+            <a:r>
+              <a:rPr lang="ko-KR" altLang="en-US"/>
+              <a:t>단순히 스케줄을 짜는 것이 아닌</a:t>
+            </a:r>
+            <a:r>
+              <a:rPr lang="en-US" altLang="ko-KR"/>
               <a:t>, </a:t>
             </a:r>
             <a:r>
-              <a:rPr lang="ko-KR" altLang="en-US" dirty="0"/>
-              <a:t>실패한 것</a:t>
-            </a:r>
-            <a:endParaRPr lang="en-US" altLang="ko-KR" dirty="0"/>
-          </a:p>
-          <a:p>
-            <a:r>
-              <a:rPr lang="ko-KR" altLang="en-US" dirty="0"/>
-              <a:t>게임시연</a:t>
-            </a:r>
+              <a:rPr lang="ko-KR" altLang="en-US"/>
+              <a:t>강의에따른 미니게임을 통해 얻는 스탯이 다양함</a:t>
+            </a:r>
+            <a:endParaRPr lang="en-US" altLang="ko-KR"/>
+          </a:p>
+          <a:p>
+            <a:pPr marL="285750" indent="-285750">
+              <a:buFont typeface="Arial" panose="020B0604020202020204" pitchFamily="34" charset="0"/>
+              <a:buChar char="•"/>
+            </a:pPr>
+            <a:r>
+              <a:rPr lang="ko-KR" altLang="en-US"/>
+              <a:t>재화를 통해 구매한 아이템으로 추가적인 엔딩을 볼 수 있음</a:t>
+            </a:r>
+            <a:endParaRPr lang="en-US" altLang="ko-KR"/>
+          </a:p>
+          <a:p>
+            <a:pPr marL="285750" indent="-285750">
+              <a:buFont typeface="Arial" panose="020B0604020202020204" pitchFamily="34" charset="0"/>
+              <a:buChar char="•"/>
+            </a:pPr>
+            <a:r>
+              <a:rPr lang="ko-KR" altLang="en-US"/>
+              <a:t>너무 무리하게 되면 스트레스 지수 폭발로 병에 걸려 계획 시행을 하지 못함</a:t>
+            </a:r>
+            <a:endParaRPr lang="en-US" altLang="ko-KR"/>
+          </a:p>
+          <a:p>
+            <a:pPr marL="285750" indent="-285750">
+              <a:buFont typeface="Arial" panose="020B0604020202020204" pitchFamily="34" charset="0"/>
+              <a:buChar char="•"/>
+            </a:pPr>
+            <a:r>
+              <a:rPr lang="ko-KR" altLang="en-US"/>
+              <a:t>자신이 키워낸 퀸송이의 엔딩을 공개보드에 올릴 수 있음</a:t>
+            </a:r>
+            <a:endParaRPr lang="en-US" altLang="ko-KR"/>
+          </a:p>
+          <a:p>
+            <a:pPr marL="285750" indent="-285750">
+              <a:buFont typeface="Arial" panose="020B0604020202020204" pitchFamily="34" charset="0"/>
+              <a:buChar char="•"/>
+            </a:pPr>
+            <a:endParaRPr lang="en-US" altLang="ko-KR"/>
           </a:p>
         </p:txBody>
       </p:sp>
     </p:spTree>
     <p:extLst>
       <p:ext uri="{BB962C8B-B14F-4D97-AF65-F5344CB8AC3E}">
-        <p14:creationId xmlns:p14="http://schemas.microsoft.com/office/powerpoint/2010/main" val="33120002"/>
+        <p14:creationId xmlns:p14="http://schemas.microsoft.com/office/powerpoint/2010/main" val="3502595713"/>
       </p:ext>
     </p:extLst>
   </p:cSld>
@@ -3560,104 +3678,189 @@
       </p:grpSpPr>
       <p:sp>
         <p:nvSpPr>
-          <p:cNvPr id="2" name="제목 1">
-            <a:extLst>
-              <a:ext uri="{FF2B5EF4-FFF2-40B4-BE49-F238E27FC236}">
-                <a16:creationId xmlns:a16="http://schemas.microsoft.com/office/drawing/2014/main" id="{B557F646-D73D-42D2-8A86-EF7EE386396D}"/>
-              </a:ext>
-            </a:extLst>
-          </p:cNvPr>
-          <p:cNvSpPr>
-            <a:spLocks noGrp="1"/>
-          </p:cNvSpPr>
-          <p:nvPr>
-            <p:ph type="title"/>
-          </p:nvPr>
-        </p:nvSpPr>
-        <p:spPr/>
-        <p:txBody>
-          <a:bodyPr/>
-          <a:lstStyle/>
-          <a:p>
-            <a:r>
-              <a:rPr lang="ko-KR" altLang="en-US" dirty="0"/>
-              <a:t>게임소개</a:t>
-            </a:r>
-          </a:p>
-        </p:txBody>
-      </p:sp>
-      <p:sp>
-        <p:nvSpPr>
-          <p:cNvPr id="3" name="내용 개체 틀 2">
-            <a:extLst>
-              <a:ext uri="{FF2B5EF4-FFF2-40B4-BE49-F238E27FC236}">
-                <a16:creationId xmlns:a16="http://schemas.microsoft.com/office/drawing/2014/main" id="{B26D6CC2-530A-4448-9B89-8614E4913D1A}"/>
-              </a:ext>
-            </a:extLst>
-          </p:cNvPr>
-          <p:cNvSpPr>
-            <a:spLocks noGrp="1"/>
-          </p:cNvSpPr>
-          <p:nvPr>
-            <p:ph idx="1"/>
-          </p:nvPr>
-        </p:nvSpPr>
-        <p:spPr/>
-        <p:txBody>
-          <a:bodyPr/>
-          <a:lstStyle/>
-          <a:p>
-            <a:r>
-              <a:rPr lang="ko-KR" altLang="en-US" dirty="0"/>
-              <a:t>제목 </a:t>
-            </a:r>
-            <a:r>
-              <a:rPr lang="en-US" altLang="ko-KR" dirty="0"/>
-              <a:t>:  </a:t>
-            </a:r>
-            <a:r>
-              <a:rPr lang="ko-KR" altLang="en-US" dirty="0"/>
-              <a:t>퀸송이메이커</a:t>
-            </a:r>
-            <a:endParaRPr lang="en-US" altLang="ko-KR" dirty="0"/>
-          </a:p>
-          <a:p>
-            <a:endParaRPr lang="en-US" altLang="ko-KR" dirty="0"/>
-          </a:p>
-          <a:p>
-            <a:r>
-              <a:rPr lang="ko-KR" altLang="en-US" dirty="0"/>
-              <a:t>제작 툴</a:t>
-            </a:r>
-            <a:r>
-              <a:rPr lang="en-US" altLang="ko-KR" dirty="0"/>
-              <a:t>: Construct2,</a:t>
-            </a:r>
-            <a:r>
-              <a:rPr lang="ko-KR" altLang="en-US" dirty="0"/>
-              <a:t> </a:t>
-            </a:r>
-            <a:r>
-              <a:rPr lang="en-US" altLang="ko-KR" dirty="0"/>
-              <a:t>Construct3</a:t>
-            </a:r>
-          </a:p>
-          <a:p>
-            <a:endParaRPr lang="en-US" altLang="ko-KR" dirty="0"/>
-          </a:p>
-          <a:p>
-            <a:r>
-              <a:rPr lang="ko-KR" altLang="en-US" dirty="0"/>
-              <a:t>눈송이 캐릭터를 제한된 기간 내에 선택을 통해 다양한 모습으로 성장시키는 게임</a:t>
-            </a:r>
-            <a:endParaRPr lang="en-US" altLang="ko-KR" dirty="0"/>
+          <p:cNvPr id="4" name="TextBox 3">
+            <a:extLst>
+              <a:ext uri="{FF2B5EF4-FFF2-40B4-BE49-F238E27FC236}">
+                <a16:creationId xmlns:a16="http://schemas.microsoft.com/office/drawing/2014/main" id="{C361320B-4E5C-4D62-9E80-2BF2D64E8380}"/>
+              </a:ext>
+            </a:extLst>
+          </p:cNvPr>
+          <p:cNvSpPr txBox="1"/>
+          <p:nvPr/>
+        </p:nvSpPr>
+        <p:spPr>
+          <a:xfrm>
+            <a:off x="4572000" y="352338"/>
+            <a:ext cx="2289409" cy="646331"/>
+          </a:xfrm>
+          <a:prstGeom prst="rect">
+            <a:avLst/>
+          </a:prstGeom>
+          <a:noFill/>
+        </p:spPr>
+        <p:txBody>
+          <a:bodyPr wrap="none" rtlCol="0">
+            <a:spAutoFit/>
+          </a:bodyPr>
+          <a:lstStyle/>
+          <a:p>
+            <a:r>
+              <a:rPr lang="ko-KR" altLang="en-US"/>
+              <a:t>퀸송이 메이커</a:t>
+            </a:r>
+            <a:endParaRPr lang="en-US" altLang="ko-KR"/>
+          </a:p>
+          <a:p>
+            <a:r>
+              <a:rPr lang="en-US" altLang="ko-KR"/>
+              <a:t>-</a:t>
+            </a:r>
+            <a:r>
+              <a:rPr lang="ko-KR" altLang="en-US"/>
+              <a:t>구현해야 할 시스템</a:t>
+            </a:r>
+          </a:p>
+        </p:txBody>
+      </p:sp>
+      <p:sp>
+        <p:nvSpPr>
+          <p:cNvPr id="5" name="TextBox 4">
+            <a:extLst>
+              <a:ext uri="{FF2B5EF4-FFF2-40B4-BE49-F238E27FC236}">
+                <a16:creationId xmlns:a16="http://schemas.microsoft.com/office/drawing/2014/main" id="{5F8AE6B7-9FEE-4A6F-B133-5D92E3A6DA11}"/>
+              </a:ext>
+            </a:extLst>
+          </p:cNvPr>
+          <p:cNvSpPr txBox="1"/>
+          <p:nvPr/>
+        </p:nvSpPr>
+        <p:spPr>
+          <a:xfrm>
+            <a:off x="2592197" y="2592198"/>
+            <a:ext cx="4887877" cy="2862322"/>
+          </a:xfrm>
+          <a:prstGeom prst="rect">
+            <a:avLst/>
+          </a:prstGeom>
+          <a:noFill/>
+        </p:spPr>
+        <p:txBody>
+          <a:bodyPr wrap="none" rtlCol="0">
+            <a:spAutoFit/>
+          </a:bodyPr>
+          <a:lstStyle/>
+          <a:p>
+            <a:pPr marL="285750" indent="-285750">
+              <a:buFont typeface="Arial" panose="020B0604020202020204" pitchFamily="34" charset="0"/>
+              <a:buChar char="•"/>
+            </a:pPr>
+            <a:r>
+              <a:rPr lang="ko-KR" altLang="en-US"/>
+              <a:t>다중선택지에 따른 전공 분화</a:t>
+            </a:r>
+            <a:endParaRPr lang="en-US" altLang="ko-KR"/>
+          </a:p>
+          <a:p>
+            <a:pPr marL="285750" indent="-285750">
+              <a:buFont typeface="Arial" panose="020B0604020202020204" pitchFamily="34" charset="0"/>
+              <a:buChar char="•"/>
+            </a:pPr>
+            <a:r>
+              <a:rPr lang="ko-KR" altLang="en-US"/>
+              <a:t>강의에 따른 스탯 분배</a:t>
+            </a:r>
+            <a:endParaRPr lang="en-US" altLang="ko-KR"/>
+          </a:p>
+          <a:p>
+            <a:pPr marL="285750" indent="-285750">
+              <a:buFont typeface="Arial" panose="020B0604020202020204" pitchFamily="34" charset="0"/>
+              <a:buChar char="•"/>
+            </a:pPr>
+            <a:r>
+              <a:rPr lang="ko-KR" altLang="en-US"/>
+              <a:t>엔딩 분기점이 되는 스탯 필요 기준 나누기</a:t>
+            </a:r>
+            <a:endParaRPr lang="en-US" altLang="ko-KR"/>
+          </a:p>
+          <a:p>
+            <a:pPr marL="285750" indent="-285750">
+              <a:buFont typeface="Arial" panose="020B0604020202020204" pitchFamily="34" charset="0"/>
+              <a:buChar char="•"/>
+            </a:pPr>
+            <a:r>
+              <a:rPr lang="ko-KR" altLang="en-US"/>
+              <a:t>날짜가 카운트 되는 시스템</a:t>
+            </a:r>
+            <a:endParaRPr lang="en-US" altLang="ko-KR"/>
+          </a:p>
+          <a:p>
+            <a:pPr marL="285750" indent="-285750">
+              <a:buFont typeface="Arial" panose="020B0604020202020204" pitchFamily="34" charset="0"/>
+              <a:buChar char="•"/>
+            </a:pPr>
+            <a:r>
+              <a:rPr lang="ko-KR" altLang="en-US"/>
+              <a:t>각 강의별 미니게임</a:t>
+            </a:r>
+            <a:endParaRPr lang="en-US" altLang="ko-KR"/>
+          </a:p>
+          <a:p>
+            <a:pPr marL="285750" indent="-285750">
+              <a:buFont typeface="Arial" panose="020B0604020202020204" pitchFamily="34" charset="0"/>
+              <a:buChar char="•"/>
+            </a:pPr>
+            <a:r>
+              <a:rPr lang="ko-KR" altLang="en-US"/>
+              <a:t>재화 시스템과 상점 시스템</a:t>
+            </a:r>
+            <a:endParaRPr lang="en-US" altLang="ko-KR"/>
+          </a:p>
+          <a:p>
+            <a:pPr marL="285750" indent="-285750">
+              <a:buFont typeface="Arial" panose="020B0604020202020204" pitchFamily="34" charset="0"/>
+              <a:buChar char="•"/>
+            </a:pPr>
+            <a:r>
+              <a:rPr lang="ko-KR" altLang="en-US"/>
+              <a:t>공개보드를 올릴 수 있는 순위시스템</a:t>
+            </a:r>
+            <a:endParaRPr lang="en-US" altLang="ko-KR"/>
+          </a:p>
+          <a:p>
+            <a:pPr marL="285750" indent="-285750">
+              <a:buFont typeface="Arial" panose="020B0604020202020204" pitchFamily="34" charset="0"/>
+              <a:buChar char="•"/>
+            </a:pPr>
+            <a:r>
+              <a:rPr lang="ko-KR" altLang="en-US"/>
+              <a:t>저장기능</a:t>
+            </a:r>
+            <a:endParaRPr lang="en-US" altLang="ko-KR"/>
+          </a:p>
+          <a:p>
+            <a:pPr marL="285750" indent="-285750">
+              <a:buFont typeface="Arial" panose="020B0604020202020204" pitchFamily="34" charset="0"/>
+              <a:buChar char="•"/>
+            </a:pPr>
+            <a:r>
+              <a:rPr lang="ko-KR" altLang="en-US"/>
+              <a:t>스트레스지수</a:t>
+            </a:r>
+            <a:endParaRPr lang="en-US" altLang="ko-KR"/>
+          </a:p>
+          <a:p>
+            <a:pPr marL="285750" indent="-285750">
+              <a:buFont typeface="Arial" panose="020B0604020202020204" pitchFamily="34" charset="0"/>
+              <a:buChar char="•"/>
+            </a:pPr>
+            <a:endParaRPr lang="en-US" altLang="ko-KR"/>
           </a:p>
         </p:txBody>
       </p:sp>
     </p:spTree>
     <p:extLst>
       <p:ext uri="{BB962C8B-B14F-4D97-AF65-F5344CB8AC3E}">
-        <p14:creationId xmlns:p14="http://schemas.microsoft.com/office/powerpoint/2010/main" val="2833659515"/>
+        <p14:creationId xmlns:p14="http://schemas.microsoft.com/office/powerpoint/2010/main" val="3745617517"/>
       </p:ext>
     </p:extLst>
   </p:cSld>
@@ -3684,169 +3887,12 @@
           <a:chExt cx="0" cy="0"/>
         </a:xfrm>
       </p:grpSpPr>
-      <p:sp>
-        <p:nvSpPr>
-          <p:cNvPr id="2" name="제목 1">
-            <a:extLst>
-              <a:ext uri="{FF2B5EF4-FFF2-40B4-BE49-F238E27FC236}">
-                <a16:creationId xmlns:a16="http://schemas.microsoft.com/office/drawing/2014/main" id="{B557F646-D73D-42D2-8A86-EF7EE386396D}"/>
-              </a:ext>
-            </a:extLst>
-          </p:cNvPr>
-          <p:cNvSpPr>
-            <a:spLocks noGrp="1"/>
-          </p:cNvSpPr>
-          <p:nvPr>
-            <p:ph type="title"/>
-          </p:nvPr>
-        </p:nvSpPr>
-        <p:spPr/>
-        <p:txBody>
-          <a:bodyPr/>
-          <a:lstStyle/>
-          <a:p>
-            <a:r>
-              <a:rPr lang="ko-KR" altLang="en-US" dirty="0"/>
-              <a:t>게임내용</a:t>
-            </a:r>
-          </a:p>
-        </p:txBody>
-      </p:sp>
-      <p:sp>
-        <p:nvSpPr>
-          <p:cNvPr id="3" name="내용 개체 틀 2">
-            <a:extLst>
-              <a:ext uri="{FF2B5EF4-FFF2-40B4-BE49-F238E27FC236}">
-                <a16:creationId xmlns:a16="http://schemas.microsoft.com/office/drawing/2014/main" id="{B26D6CC2-530A-4448-9B89-8614E4913D1A}"/>
-              </a:ext>
-            </a:extLst>
-          </p:cNvPr>
-          <p:cNvSpPr>
-            <a:spLocks noGrp="1"/>
-          </p:cNvSpPr>
-          <p:nvPr>
-            <p:ph idx="1"/>
-          </p:nvPr>
-        </p:nvSpPr>
-        <p:spPr>
-          <a:xfrm>
-            <a:off x="7553739" y="1454563"/>
-            <a:ext cx="4426225" cy="5038311"/>
-          </a:xfrm>
-        </p:spPr>
-        <p:txBody>
-          <a:bodyPr>
-            <a:normAutofit/>
-          </a:bodyPr>
-          <a:lstStyle/>
-          <a:p>
-            <a:r>
-              <a:rPr lang="ko-KR" altLang="en-US" sz="2400" dirty="0"/>
-              <a:t>학기 시작 전 교수님과 상담을 통해 전공을 선택</a:t>
-            </a:r>
-            <a:endParaRPr lang="en-US" altLang="ko-KR" sz="2400" dirty="0"/>
-          </a:p>
-          <a:p>
-            <a:r>
-              <a:rPr lang="ko-KR" altLang="en-US" sz="2400" dirty="0"/>
-              <a:t>총 </a:t>
-            </a:r>
-            <a:r>
-              <a:rPr lang="en-US" altLang="ko-KR" sz="2400" dirty="0"/>
-              <a:t>2</a:t>
-            </a:r>
-            <a:r>
-              <a:rPr lang="ko-KR" altLang="en-US" sz="2400" dirty="0"/>
-              <a:t>학기로 구성</a:t>
-            </a:r>
-            <a:r>
-              <a:rPr lang="en-US" altLang="ko-KR" sz="2400" dirty="0"/>
-              <a:t> : 1</a:t>
-            </a:r>
-            <a:r>
-              <a:rPr lang="ko-KR" altLang="en-US" sz="2400" dirty="0"/>
-              <a:t>학기</a:t>
-            </a:r>
-            <a:r>
-              <a:rPr lang="en-US" altLang="ko-KR" sz="2400" dirty="0"/>
-              <a:t>(3~5</a:t>
-            </a:r>
-            <a:r>
-              <a:rPr lang="ko-KR" altLang="en-US" sz="2400" dirty="0"/>
-              <a:t>월</a:t>
-            </a:r>
-            <a:r>
-              <a:rPr lang="en-US" altLang="ko-KR" sz="2400" dirty="0"/>
-              <a:t>)-</a:t>
-            </a:r>
-            <a:r>
-              <a:rPr lang="ko-KR" altLang="en-US" sz="2400" dirty="0"/>
-              <a:t>방학</a:t>
-            </a:r>
-            <a:r>
-              <a:rPr lang="en-US" altLang="ko-KR" sz="2400" dirty="0"/>
-              <a:t>-2</a:t>
-            </a:r>
-            <a:r>
-              <a:rPr lang="ko-KR" altLang="en-US" sz="2400" dirty="0"/>
-              <a:t>학기</a:t>
-            </a:r>
-            <a:r>
-              <a:rPr lang="en-US" altLang="ko-KR" sz="2400" dirty="0"/>
-              <a:t>(9~11</a:t>
-            </a:r>
-            <a:r>
-              <a:rPr lang="ko-KR" altLang="en-US" sz="2400" dirty="0"/>
-              <a:t>월</a:t>
-            </a:r>
-            <a:r>
-              <a:rPr lang="en-US" altLang="ko-KR" sz="2400" dirty="0"/>
-              <a:t>)</a:t>
-            </a:r>
-          </a:p>
-          <a:p>
-            <a:r>
-              <a:rPr lang="ko-KR" altLang="en-US" sz="2400" dirty="0"/>
-              <a:t>전공</a:t>
-            </a:r>
-            <a:r>
-              <a:rPr lang="en-US" altLang="ko-KR" sz="2400" dirty="0"/>
-              <a:t>, </a:t>
-            </a:r>
-            <a:r>
-              <a:rPr lang="ko-KR" altLang="en-US" sz="2400" dirty="0"/>
-              <a:t>교양</a:t>
-            </a:r>
-            <a:r>
-              <a:rPr lang="en-US" altLang="ko-KR" sz="2400" dirty="0"/>
-              <a:t>, </a:t>
-            </a:r>
-            <a:r>
-              <a:rPr lang="ko-KR" altLang="en-US" sz="2400" dirty="0"/>
-              <a:t>스트레스 세 가지 </a:t>
-            </a:r>
-            <a:r>
-              <a:rPr lang="ko-KR" altLang="en-US" sz="2400" dirty="0" err="1"/>
-              <a:t>스탯과</a:t>
-            </a:r>
-            <a:r>
-              <a:rPr lang="en-US" altLang="ko-KR" sz="2400" dirty="0"/>
-              <a:t> </a:t>
-            </a:r>
-            <a:r>
-              <a:rPr lang="ko-KR" altLang="en-US" sz="2400" dirty="0"/>
-              <a:t>재화 시스템 존재</a:t>
-            </a:r>
-            <a:endParaRPr lang="en-US" altLang="ko-KR" sz="2400" dirty="0"/>
-          </a:p>
-        </p:txBody>
-      </p:sp>
       <p:pic>
         <p:nvPicPr>
-          <p:cNvPr id="5" name="그림 4">
-            <a:extLst>
-              <a:ext uri="{FF2B5EF4-FFF2-40B4-BE49-F238E27FC236}">
-                <a16:creationId xmlns:a16="http://schemas.microsoft.com/office/drawing/2014/main" id="{464264E0-C3C8-4080-A0F0-07477208868D}"/>
+          <p:cNvPr id="3" name="그림 2" descr="텍스트, 표지판, 판매이(가) 표시된 사진&#10;&#10;자동 생성된 설명">
+            <a:extLst>
+              <a:ext uri="{FF2B5EF4-FFF2-40B4-BE49-F238E27FC236}">
+                <a16:creationId xmlns:a16="http://schemas.microsoft.com/office/drawing/2014/main" id="{82869F7A-460B-4C41-88D5-0AE4E48B424F}"/>
               </a:ext>
             </a:extLst>
           </p:cNvPr>
@@ -3869,585 +3915,360 @@
         </p:blipFill>
         <p:spPr>
           <a:xfrm>
-            <a:off x="838200" y="1600966"/>
-            <a:ext cx="6304722" cy="4913326"/>
+            <a:off x="2857846" y="1034409"/>
+            <a:ext cx="6151931" cy="5126609"/>
           </a:xfrm>
           <a:prstGeom prst="rect">
             <a:avLst/>
           </a:prstGeom>
         </p:spPr>
       </p:pic>
-    </p:spTree>
-    <p:extLst>
-      <p:ext uri="{BB962C8B-B14F-4D97-AF65-F5344CB8AC3E}">
-        <p14:creationId xmlns:p14="http://schemas.microsoft.com/office/powerpoint/2010/main" val="765735202"/>
-      </p:ext>
-    </p:extLst>
-  </p:cSld>
-  <p:clrMapOvr>
-    <a:masterClrMapping/>
-  </p:clrMapOvr>
-</p:sld>
-</file>
-
-<file path=ppt/slides/slide5.xml><?xml version="1.0" encoding="utf-8"?>
-<p:sld xmlns:a="http://schemas.openxmlformats.org/drawingml/2006/main" xmlns:r="http://schemas.openxmlformats.org/officeDocument/2006/relationships" xmlns:p="http://schemas.openxmlformats.org/presentationml/2006/main">
-  <p:cSld>
-    <p:spTree>
-      <p:nvGrpSpPr>
-        <p:cNvPr id="1" name=""/>
-        <p:cNvGrpSpPr/>
-        <p:nvPr/>
-      </p:nvGrpSpPr>
-      <p:grpSpPr>
-        <a:xfrm>
-          <a:off x="0" y="0"/>
-          <a:ext cx="0" cy="0"/>
-          <a:chOff x="0" y="0"/>
-          <a:chExt cx="0" cy="0"/>
-        </a:xfrm>
-      </p:grpSpPr>
-      <p:sp>
-        <p:nvSpPr>
-          <p:cNvPr id="2" name="제목 1">
-            <a:extLst>
-              <a:ext uri="{FF2B5EF4-FFF2-40B4-BE49-F238E27FC236}">
-                <a16:creationId xmlns:a16="http://schemas.microsoft.com/office/drawing/2014/main" id="{12FBDEA5-EB2B-4BF4-A936-0AF98A74E307}"/>
-              </a:ext>
-            </a:extLst>
-          </p:cNvPr>
-          <p:cNvSpPr>
-            <a:spLocks noGrp="1"/>
-          </p:cNvSpPr>
-          <p:nvPr>
-            <p:ph type="title"/>
-          </p:nvPr>
-        </p:nvSpPr>
-        <p:spPr/>
-        <p:txBody>
-          <a:bodyPr/>
-          <a:lstStyle/>
-          <a:p>
-            <a:r>
-              <a:rPr lang="ko-KR" altLang="en-US" dirty="0"/>
-              <a:t>게임내용</a:t>
-            </a:r>
-          </a:p>
-        </p:txBody>
-      </p:sp>
-      <p:sp>
-        <p:nvSpPr>
-          <p:cNvPr id="3" name="내용 개체 틀 2">
-            <a:extLst>
-              <a:ext uri="{FF2B5EF4-FFF2-40B4-BE49-F238E27FC236}">
-                <a16:creationId xmlns:a16="http://schemas.microsoft.com/office/drawing/2014/main" id="{78FAE75A-72EF-45A3-A8E7-3E256F02E650}"/>
-              </a:ext>
-            </a:extLst>
-          </p:cNvPr>
-          <p:cNvSpPr>
-            <a:spLocks noGrp="1"/>
-          </p:cNvSpPr>
-          <p:nvPr>
-            <p:ph idx="1"/>
-          </p:nvPr>
+      <p:sp>
+        <p:nvSpPr>
+          <p:cNvPr id="4" name="설명선: 선 3">
+            <a:extLst>
+              <a:ext uri="{FF2B5EF4-FFF2-40B4-BE49-F238E27FC236}">
+                <a16:creationId xmlns:a16="http://schemas.microsoft.com/office/drawing/2014/main" id="{EB0B37BA-810C-4EEB-BFDC-8185987EFEA8}"/>
+              </a:ext>
+            </a:extLst>
+          </p:cNvPr>
+          <p:cNvSpPr/>
+          <p:nvPr/>
         </p:nvSpPr>
         <p:spPr>
           <a:xfrm>
-            <a:off x="7460974" y="1690688"/>
-            <a:ext cx="4558747" cy="4895642"/>
+            <a:off x="721453" y="2265028"/>
+            <a:ext cx="1602297" cy="889233"/>
           </a:xfrm>
+          <a:prstGeom prst="borderCallout1">
+            <a:avLst>
+              <a:gd name="adj1" fmla="val 50825"/>
+              <a:gd name="adj2" fmla="val 100568"/>
+              <a:gd name="adj3" fmla="val 120047"/>
+              <a:gd name="adj4" fmla="val 150672"/>
+            </a:avLst>
+          </a:prstGeom>
         </p:spPr>
-        <p:txBody>
-          <a:bodyPr/>
-          <a:lstStyle/>
-          <a:p>
-            <a:r>
-              <a:rPr lang="ko-KR" altLang="en-US" sz="2400" dirty="0"/>
-              <a:t>매 월 전공필수</a:t>
-            </a:r>
-            <a:r>
-              <a:rPr lang="en-US" altLang="ko-KR" sz="2400" dirty="0"/>
-              <a:t>, </a:t>
-            </a:r>
-            <a:r>
-              <a:rPr lang="ko-KR" altLang="en-US" sz="2400" dirty="0"/>
-              <a:t>전공선택</a:t>
-            </a:r>
-            <a:r>
-              <a:rPr lang="en-US" altLang="ko-KR" sz="2400" dirty="0"/>
-              <a:t>, </a:t>
-            </a:r>
-            <a:r>
-              <a:rPr lang="ko-KR" altLang="en-US" sz="2400" dirty="0"/>
-              <a:t>교양</a:t>
-            </a:r>
-            <a:r>
-              <a:rPr lang="en-US" altLang="ko-KR" sz="2400" dirty="0"/>
-              <a:t>, </a:t>
-            </a:r>
-            <a:r>
-              <a:rPr lang="ko-KR" altLang="en-US" sz="2400" dirty="0"/>
-              <a:t>알바</a:t>
-            </a:r>
-            <a:r>
-              <a:rPr lang="en-US" altLang="ko-KR" sz="2400" dirty="0"/>
-              <a:t>, </a:t>
-            </a:r>
-            <a:r>
-              <a:rPr lang="ko-KR" altLang="en-US" sz="2400" dirty="0"/>
-              <a:t>휴식 중에서 각 주차마다 하나씩 스케줄을 선택하여 진행</a:t>
-            </a:r>
-            <a:endParaRPr lang="en-US" altLang="ko-KR" sz="2400" dirty="0"/>
-          </a:p>
-          <a:p>
-            <a:r>
-              <a:rPr lang="ko-KR" altLang="en-US" sz="2400" dirty="0"/>
-              <a:t>교양</a:t>
-            </a:r>
-            <a:r>
-              <a:rPr lang="en-US" altLang="ko-KR" sz="2400" dirty="0"/>
-              <a:t>, </a:t>
-            </a:r>
-            <a:r>
-              <a:rPr lang="ko-KR" altLang="en-US" sz="2400" dirty="0"/>
-              <a:t>알바는 모든 전공 같은 미니게임</a:t>
-            </a:r>
-            <a:r>
-              <a:rPr lang="en-US" altLang="ko-KR" sz="2400" dirty="0"/>
-              <a:t> / </a:t>
-            </a:r>
-            <a:r>
-              <a:rPr lang="ko-KR" altLang="en-US" sz="2400" dirty="0" err="1"/>
-              <a:t>전필</a:t>
-            </a:r>
-            <a:r>
-              <a:rPr lang="en-US" altLang="ko-KR" sz="2400" dirty="0"/>
-              <a:t>,</a:t>
-            </a:r>
-            <a:r>
-              <a:rPr lang="ko-KR" altLang="en-US" sz="2400" dirty="0"/>
-              <a:t> 전선은 전공마다 미니게임 분화</a:t>
-            </a:r>
-            <a:endParaRPr lang="en-US" altLang="ko-KR" sz="2400" dirty="0"/>
-          </a:p>
-          <a:p>
-            <a:r>
-              <a:rPr lang="ko-KR" altLang="en-US" sz="2400" dirty="0"/>
-              <a:t>선택한 스케줄에 따라 미니게임을 진행하며 미니게임의 성공여부에 따라 </a:t>
-            </a:r>
-            <a:r>
-              <a:rPr lang="ko-KR" altLang="en-US" sz="2400" dirty="0" err="1"/>
-              <a:t>스탯이</a:t>
-            </a:r>
-            <a:r>
-              <a:rPr lang="ko-KR" altLang="en-US" sz="2400" dirty="0"/>
-              <a:t> 상승</a:t>
-            </a:r>
-            <a:endParaRPr lang="en-US" altLang="ko-KR" sz="2400" dirty="0"/>
-          </a:p>
-          <a:p>
-            <a:r>
-              <a:rPr lang="en-US" altLang="ko-KR" sz="2400" dirty="0"/>
-              <a:t>2</a:t>
-            </a:r>
-            <a:r>
-              <a:rPr lang="ko-KR" altLang="en-US" sz="2400" dirty="0"/>
-              <a:t>학기 종료 후 현재 </a:t>
-            </a:r>
-            <a:r>
-              <a:rPr lang="ko-KR" altLang="en-US" sz="2400" dirty="0" err="1"/>
-              <a:t>스탯</a:t>
-            </a:r>
-            <a:r>
-              <a:rPr lang="en-US" altLang="ko-KR" sz="2400" dirty="0"/>
-              <a:t>, </a:t>
-            </a:r>
-            <a:r>
-              <a:rPr lang="ko-KR" altLang="en-US" sz="2400" dirty="0"/>
-              <a:t>재화에 따라 엔딩이 달라짐</a:t>
-            </a:r>
-            <a:endParaRPr lang="en-US" altLang="ko-KR" sz="2400" dirty="0"/>
-          </a:p>
-          <a:p>
-            <a:endParaRPr lang="ko-KR" altLang="en-US" dirty="0"/>
-          </a:p>
-        </p:txBody>
-      </p:sp>
-      <p:pic>
-        <p:nvPicPr>
-          <p:cNvPr id="5" name="그림 4">
-            <a:extLst>
-              <a:ext uri="{FF2B5EF4-FFF2-40B4-BE49-F238E27FC236}">
-                <a16:creationId xmlns:a16="http://schemas.microsoft.com/office/drawing/2014/main" id="{C7C9475C-4E3C-4FF0-A670-E630C2A9711B}"/>
-              </a:ext>
-            </a:extLst>
-          </p:cNvPr>
-          <p:cNvPicPr>
-            <a:picLocks noChangeAspect="1"/>
-          </p:cNvPicPr>
+        <p:style>
+          <a:lnRef idx="2">
+            <a:schemeClr val="accent1"/>
+          </a:lnRef>
+          <a:fillRef idx="1">
+            <a:schemeClr val="lt1"/>
+          </a:fillRef>
+          <a:effectRef idx="0">
+            <a:schemeClr val="accent1"/>
+          </a:effectRef>
+          <a:fontRef idx="minor">
+            <a:schemeClr val="dk1"/>
+          </a:fontRef>
+        </p:style>
+        <p:txBody>
+          <a:bodyPr rtlCol="0" anchor="ctr"/>
+          <a:lstStyle/>
+          <a:p>
+            <a:pPr algn="ctr"/>
+            <a:r>
+              <a:rPr lang="ko-KR" altLang="en-US"/>
+              <a:t>피로도</a:t>
+            </a:r>
+          </a:p>
+        </p:txBody>
+      </p:sp>
+      <p:sp>
+        <p:nvSpPr>
+          <p:cNvPr id="5" name="설명선: 선 4">
+            <a:extLst>
+              <a:ext uri="{FF2B5EF4-FFF2-40B4-BE49-F238E27FC236}">
+                <a16:creationId xmlns:a16="http://schemas.microsoft.com/office/drawing/2014/main" id="{4B37E136-5BF3-4DD3-9A32-5BA8BEF4505E}"/>
+              </a:ext>
+            </a:extLst>
+          </p:cNvPr>
+          <p:cNvSpPr/>
           <p:nvPr/>
-        </p:nvPicPr>
-        <p:blipFill>
-          <a:blip r:embed="rId2">
-            <a:extLst>
-              <a:ext uri="{28A0092B-C50C-407E-A947-70E740481C1C}">
-                <a14:useLocalDpi xmlns:a14="http://schemas.microsoft.com/office/drawing/2010/main" val="0"/>
-              </a:ext>
-            </a:extLst>
-          </a:blip>
-          <a:stretch>
-            <a:fillRect/>
-          </a:stretch>
-        </p:blipFill>
+        </p:nvSpPr>
         <p:spPr>
           <a:xfrm>
-            <a:off x="838200" y="1582123"/>
-            <a:ext cx="6344478" cy="5004207"/>
+            <a:off x="9324363" y="595618"/>
+            <a:ext cx="1535185" cy="847288"/>
+          </a:xfrm>
+          <a:prstGeom prst="borderCallout1">
+            <a:avLst>
+              <a:gd name="adj1" fmla="val 43503"/>
+              <a:gd name="adj2" fmla="val 410"/>
+              <a:gd name="adj3" fmla="val 112500"/>
+              <a:gd name="adj4" fmla="val -38333"/>
+            </a:avLst>
+          </a:prstGeom>
+        </p:spPr>
+        <p:style>
+          <a:lnRef idx="2">
+            <a:schemeClr val="accent1"/>
+          </a:lnRef>
+          <a:fillRef idx="1">
+            <a:schemeClr val="lt1"/>
+          </a:fillRef>
+          <a:effectRef idx="0">
+            <a:schemeClr val="accent1"/>
+          </a:effectRef>
+          <a:fontRef idx="minor">
+            <a:schemeClr val="dk1"/>
+          </a:fontRef>
+        </p:style>
+        <p:txBody>
+          <a:bodyPr rtlCol="0" anchor="ctr"/>
+          <a:lstStyle/>
+          <a:p>
+            <a:pPr algn="ctr"/>
+            <a:r>
+              <a:rPr lang="ko-KR" altLang="en-US"/>
+              <a:t>날짜 및 자산</a:t>
+            </a:r>
+          </a:p>
+        </p:txBody>
+      </p:sp>
+      <p:sp>
+        <p:nvSpPr>
+          <p:cNvPr id="6" name="TextBox 5">
+            <a:extLst>
+              <a:ext uri="{FF2B5EF4-FFF2-40B4-BE49-F238E27FC236}">
+                <a16:creationId xmlns:a16="http://schemas.microsoft.com/office/drawing/2014/main" id="{823AA576-02FA-44E5-9699-7FA1A89341F7}"/>
+              </a:ext>
+            </a:extLst>
+          </p:cNvPr>
+          <p:cNvSpPr txBox="1"/>
+          <p:nvPr/>
+        </p:nvSpPr>
+        <p:spPr>
+          <a:xfrm>
+            <a:off x="6769916" y="1181296"/>
+            <a:ext cx="989900" cy="261610"/>
           </a:xfrm>
           <a:prstGeom prst="rect">
             <a:avLst/>
           </a:prstGeom>
+          <a:noFill/>
         </p:spPr>
-      </p:pic>
+        <p:txBody>
+          <a:bodyPr wrap="square" rtlCol="0">
+            <a:spAutoFit/>
+          </a:bodyPr>
+          <a:lstStyle/>
+          <a:p>
+            <a:r>
+              <a:rPr lang="en-US" altLang="ko-KR" sz="1100">
+                <a:solidFill>
+                  <a:srgbClr val="3C68AA"/>
+                </a:solidFill>
+              </a:rPr>
+              <a:t>2</a:t>
+            </a:r>
+            <a:r>
+              <a:rPr lang="ko-KR" altLang="en-US" sz="1100">
+                <a:solidFill>
+                  <a:srgbClr val="3C68AA"/>
+                </a:solidFill>
+              </a:rPr>
+              <a:t>학기</a:t>
+            </a:r>
+          </a:p>
+        </p:txBody>
+      </p:sp>
+      <p:sp>
+        <p:nvSpPr>
+          <p:cNvPr id="7" name="설명선: 선 6">
+            <a:extLst>
+              <a:ext uri="{FF2B5EF4-FFF2-40B4-BE49-F238E27FC236}">
+                <a16:creationId xmlns:a16="http://schemas.microsoft.com/office/drawing/2014/main" id="{759E415D-C745-462A-A421-71076CD3CC1C}"/>
+              </a:ext>
+            </a:extLst>
+          </p:cNvPr>
+          <p:cNvSpPr/>
+          <p:nvPr/>
+        </p:nvSpPr>
+        <p:spPr>
+          <a:xfrm>
+            <a:off x="9324363" y="2709644"/>
+            <a:ext cx="1619075" cy="847288"/>
+          </a:xfrm>
+          <a:prstGeom prst="borderCallout1">
+            <a:avLst>
+              <a:gd name="adj1" fmla="val 45483"/>
+              <a:gd name="adj2" fmla="val -561"/>
+              <a:gd name="adj3" fmla="val 112500"/>
+              <a:gd name="adj4" fmla="val -38333"/>
+            </a:avLst>
+          </a:prstGeom>
+        </p:spPr>
+        <p:style>
+          <a:lnRef idx="2">
+            <a:schemeClr val="accent1"/>
+          </a:lnRef>
+          <a:fillRef idx="1">
+            <a:schemeClr val="lt1"/>
+          </a:fillRef>
+          <a:effectRef idx="0">
+            <a:schemeClr val="accent1"/>
+          </a:effectRef>
+          <a:fontRef idx="minor">
+            <a:schemeClr val="dk1"/>
+          </a:fontRef>
+        </p:style>
+        <p:txBody>
+          <a:bodyPr rtlCol="0" anchor="ctr"/>
+          <a:lstStyle/>
+          <a:p>
+            <a:pPr algn="ctr"/>
+            <a:r>
+              <a:rPr lang="ko-KR" altLang="en-US"/>
+              <a:t>할 일 목록</a:t>
+            </a:r>
+          </a:p>
+        </p:txBody>
+      </p:sp>
+      <p:sp>
+        <p:nvSpPr>
+          <p:cNvPr id="9" name="설명선: 선 8">
+            <a:extLst>
+              <a:ext uri="{FF2B5EF4-FFF2-40B4-BE49-F238E27FC236}">
+                <a16:creationId xmlns:a16="http://schemas.microsoft.com/office/drawing/2014/main" id="{951A0575-F27D-47F2-AC1A-272DFCDB002F}"/>
+              </a:ext>
+            </a:extLst>
+          </p:cNvPr>
+          <p:cNvSpPr/>
+          <p:nvPr/>
+        </p:nvSpPr>
+        <p:spPr>
+          <a:xfrm>
+            <a:off x="721453" y="5142451"/>
+            <a:ext cx="1602297" cy="1018567"/>
+          </a:xfrm>
+          <a:prstGeom prst="borderCallout1">
+            <a:avLst>
+              <a:gd name="adj1" fmla="val 49223"/>
+              <a:gd name="adj2" fmla="val 100044"/>
+              <a:gd name="adj3" fmla="val 31787"/>
+              <a:gd name="adj4" fmla="val 163761"/>
+            </a:avLst>
+          </a:prstGeom>
+        </p:spPr>
+        <p:style>
+          <a:lnRef idx="2">
+            <a:schemeClr val="accent1"/>
+          </a:lnRef>
+          <a:fillRef idx="1">
+            <a:schemeClr val="lt1"/>
+          </a:fillRef>
+          <a:effectRef idx="0">
+            <a:schemeClr val="accent1"/>
+          </a:effectRef>
+          <a:fontRef idx="minor">
+            <a:schemeClr val="dk1"/>
+          </a:fontRef>
+        </p:style>
+        <p:txBody>
+          <a:bodyPr rtlCol="0" anchor="ctr"/>
+          <a:lstStyle/>
+          <a:p>
+            <a:pPr algn="ctr"/>
+            <a:r>
+              <a:rPr lang="ko-KR" altLang="en-US" sz="1400"/>
+              <a:t>상태에 따른 대사 랜덤출력</a:t>
+            </a:r>
+          </a:p>
+        </p:txBody>
+      </p:sp>
+      <p:sp>
+        <p:nvSpPr>
+          <p:cNvPr id="10" name="설명선: 선 9">
+            <a:extLst>
+              <a:ext uri="{FF2B5EF4-FFF2-40B4-BE49-F238E27FC236}">
+                <a16:creationId xmlns:a16="http://schemas.microsoft.com/office/drawing/2014/main" id="{8D2279D3-A0E0-4EB3-9560-84E55FD3FE4D}"/>
+              </a:ext>
+            </a:extLst>
+          </p:cNvPr>
+          <p:cNvSpPr/>
+          <p:nvPr/>
+        </p:nvSpPr>
+        <p:spPr>
+          <a:xfrm>
+            <a:off x="1174459" y="327171"/>
+            <a:ext cx="1434517" cy="854125"/>
+          </a:xfrm>
+          <a:prstGeom prst="borderCallout1">
+            <a:avLst>
+              <a:gd name="adj1" fmla="val 51162"/>
+              <a:gd name="adj2" fmla="val 99269"/>
+              <a:gd name="adj3" fmla="val 118393"/>
+              <a:gd name="adj4" fmla="val 147047"/>
+            </a:avLst>
+          </a:prstGeom>
+        </p:spPr>
+        <p:style>
+          <a:lnRef idx="2">
+            <a:schemeClr val="accent1"/>
+          </a:lnRef>
+          <a:fillRef idx="1">
+            <a:schemeClr val="lt1"/>
+          </a:fillRef>
+          <a:effectRef idx="0">
+            <a:schemeClr val="accent1"/>
+          </a:effectRef>
+          <a:fontRef idx="minor">
+            <a:schemeClr val="dk1"/>
+          </a:fontRef>
+        </p:style>
+        <p:txBody>
+          <a:bodyPr rtlCol="0" anchor="ctr"/>
+          <a:lstStyle/>
+          <a:p>
+            <a:pPr algn="ctr"/>
+            <a:r>
+              <a:rPr lang="ko-KR" altLang="en-US"/>
+              <a:t>저장버튼</a:t>
+            </a:r>
+          </a:p>
+        </p:txBody>
+      </p:sp>
+      <p:sp>
+        <p:nvSpPr>
+          <p:cNvPr id="11" name="TextBox 10">
+            <a:extLst>
+              <a:ext uri="{FF2B5EF4-FFF2-40B4-BE49-F238E27FC236}">
+                <a16:creationId xmlns:a16="http://schemas.microsoft.com/office/drawing/2014/main" id="{77184BAA-6A4F-4D9F-A76B-1595D05AE2B6}"/>
+              </a:ext>
+            </a:extLst>
+          </p:cNvPr>
+          <p:cNvSpPr txBox="1"/>
+          <p:nvPr/>
+        </p:nvSpPr>
+        <p:spPr>
+          <a:xfrm>
+            <a:off x="4887669" y="410952"/>
+            <a:ext cx="1882247" cy="369332"/>
+          </a:xfrm>
+          <a:prstGeom prst="rect">
+            <a:avLst/>
+          </a:prstGeom>
+          <a:noFill/>
+        </p:spPr>
+        <p:txBody>
+          <a:bodyPr wrap="none" rtlCol="0">
+            <a:spAutoFit/>
+          </a:bodyPr>
+          <a:lstStyle/>
+          <a:p>
+            <a:r>
+              <a:rPr lang="ko-KR" altLang="en-US"/>
+              <a:t>인터페이스 예시</a:t>
+            </a:r>
+          </a:p>
+        </p:txBody>
+      </p:sp>
     </p:spTree>
     <p:extLst>
       <p:ext uri="{BB962C8B-B14F-4D97-AF65-F5344CB8AC3E}">
-        <p14:creationId xmlns:p14="http://schemas.microsoft.com/office/powerpoint/2010/main" val="1120319039"/>
-      </p:ext>
-    </p:extLst>
-  </p:cSld>
-  <p:clrMapOvr>
-    <a:masterClrMapping/>
-  </p:clrMapOvr>
-</p:sld>
-</file>
-
-<file path=ppt/slides/slide6.xml><?xml version="1.0" encoding="utf-8"?>
-<p:sld xmlns:a="http://schemas.openxmlformats.org/drawingml/2006/main" xmlns:r="http://schemas.openxmlformats.org/officeDocument/2006/relationships" xmlns:p="http://schemas.openxmlformats.org/presentationml/2006/main">
-  <p:cSld>
-    <p:spTree>
-      <p:nvGrpSpPr>
-        <p:cNvPr id="1" name=""/>
-        <p:cNvGrpSpPr/>
-        <p:nvPr/>
-      </p:nvGrpSpPr>
-      <p:grpSpPr>
-        <a:xfrm>
-          <a:off x="0" y="0"/>
-          <a:ext cx="0" cy="0"/>
-          <a:chOff x="0" y="0"/>
-          <a:chExt cx="0" cy="0"/>
-        </a:xfrm>
-      </p:grpSpPr>
-      <p:sp>
-        <p:nvSpPr>
-          <p:cNvPr id="2" name="제목 1">
-            <a:extLst>
-              <a:ext uri="{FF2B5EF4-FFF2-40B4-BE49-F238E27FC236}">
-                <a16:creationId xmlns:a16="http://schemas.microsoft.com/office/drawing/2014/main" id="{B557F646-D73D-42D2-8A86-EF7EE386396D}"/>
-              </a:ext>
-            </a:extLst>
-          </p:cNvPr>
-          <p:cNvSpPr>
-            <a:spLocks noGrp="1"/>
-          </p:cNvSpPr>
-          <p:nvPr>
-            <p:ph type="title"/>
-          </p:nvPr>
-        </p:nvSpPr>
-        <p:spPr/>
-        <p:txBody>
-          <a:bodyPr/>
-          <a:lstStyle/>
-          <a:p>
-            <a:r>
-              <a:rPr lang="ko-KR" altLang="en-US" dirty="0"/>
-              <a:t>개발 성공한 것</a:t>
-            </a:r>
-          </a:p>
-        </p:txBody>
-      </p:sp>
-      <p:sp>
-        <p:nvSpPr>
-          <p:cNvPr id="3" name="내용 개체 틀 2">
-            <a:extLst>
-              <a:ext uri="{FF2B5EF4-FFF2-40B4-BE49-F238E27FC236}">
-                <a16:creationId xmlns:a16="http://schemas.microsoft.com/office/drawing/2014/main" id="{B26D6CC2-530A-4448-9B89-8614E4913D1A}"/>
-              </a:ext>
-            </a:extLst>
-          </p:cNvPr>
-          <p:cNvSpPr>
-            <a:spLocks noGrp="1"/>
-          </p:cNvSpPr>
-          <p:nvPr>
-            <p:ph idx="1"/>
-          </p:nvPr>
-        </p:nvSpPr>
-        <p:spPr/>
-        <p:txBody>
-          <a:bodyPr/>
-          <a:lstStyle/>
-          <a:p>
-            <a:r>
-              <a:rPr lang="ko-KR" altLang="en-US" dirty="0"/>
-              <a:t>선택에 따른 전공 분화</a:t>
-            </a:r>
-            <a:endParaRPr lang="en-US" altLang="ko-KR" dirty="0"/>
-          </a:p>
-          <a:p>
-            <a:r>
-              <a:rPr lang="ko-KR" altLang="en-US" dirty="0"/>
-              <a:t>선택한 전공에 따라 달라지는 미니게임</a:t>
-            </a:r>
-            <a:endParaRPr lang="en-US" altLang="ko-KR" dirty="0"/>
-          </a:p>
-          <a:p>
-            <a:r>
-              <a:rPr lang="ko-KR" altLang="en-US" dirty="0"/>
-              <a:t>강의에 따른 </a:t>
-            </a:r>
-            <a:r>
-              <a:rPr lang="ko-KR" altLang="en-US" dirty="0" err="1"/>
-              <a:t>스탯</a:t>
-            </a:r>
-            <a:r>
-              <a:rPr lang="ko-KR" altLang="en-US" dirty="0"/>
-              <a:t> 분배</a:t>
-            </a:r>
-            <a:endParaRPr lang="en-US" altLang="ko-KR" dirty="0"/>
-          </a:p>
-          <a:p>
-            <a:r>
-              <a:rPr lang="ko-KR" altLang="en-US" dirty="0" err="1"/>
-              <a:t>스탯에</a:t>
-            </a:r>
-            <a:r>
-              <a:rPr lang="ko-KR" altLang="en-US" dirty="0"/>
-              <a:t> 따른 엔딩 분화</a:t>
-            </a:r>
-            <a:endParaRPr lang="en-US" altLang="ko-KR" dirty="0"/>
-          </a:p>
-          <a:p>
-            <a:r>
-              <a:rPr lang="ko-KR" altLang="en-US" dirty="0"/>
-              <a:t>각 </a:t>
-            </a:r>
-            <a:r>
-              <a:rPr lang="ko-KR" altLang="en-US" dirty="0" err="1"/>
-              <a:t>강의별</a:t>
-            </a:r>
-            <a:r>
-              <a:rPr lang="ko-KR" altLang="en-US" dirty="0"/>
-              <a:t> 미니게임</a:t>
-            </a:r>
-            <a:endParaRPr lang="en-US" altLang="ko-KR" dirty="0"/>
-          </a:p>
-          <a:p>
-            <a:r>
-              <a:rPr lang="ko-KR" altLang="en-US" dirty="0"/>
-              <a:t>재화 시스템과 상점 시스템</a:t>
-            </a:r>
-            <a:endParaRPr lang="en-US" altLang="ko-KR" dirty="0"/>
-          </a:p>
-          <a:p>
-            <a:r>
-              <a:rPr lang="ko-KR" altLang="en-US" dirty="0"/>
-              <a:t>저장기능</a:t>
-            </a:r>
-            <a:endParaRPr lang="en-US" altLang="ko-KR" dirty="0"/>
-          </a:p>
-          <a:p>
-            <a:pPr marL="0" indent="0">
-              <a:buNone/>
-            </a:pPr>
-            <a:endParaRPr lang="en-US" altLang="ko-KR" dirty="0"/>
-          </a:p>
-        </p:txBody>
-      </p:sp>
-    </p:spTree>
-    <p:extLst>
-      <p:ext uri="{BB962C8B-B14F-4D97-AF65-F5344CB8AC3E}">
-        <p14:creationId xmlns:p14="http://schemas.microsoft.com/office/powerpoint/2010/main" val="307462141"/>
-      </p:ext>
-    </p:extLst>
-  </p:cSld>
-  <p:clrMapOvr>
-    <a:masterClrMapping/>
-  </p:clrMapOvr>
-</p:sld>
-</file>
-
-<file path=ppt/slides/slide7.xml><?xml version="1.0" encoding="utf-8"?>
-<p:sld xmlns:a="http://schemas.openxmlformats.org/drawingml/2006/main" xmlns:r="http://schemas.openxmlformats.org/officeDocument/2006/relationships" xmlns:p="http://schemas.openxmlformats.org/presentationml/2006/main">
-  <p:cSld>
-    <p:spTree>
-      <p:nvGrpSpPr>
-        <p:cNvPr id="1" name=""/>
-        <p:cNvGrpSpPr/>
-        <p:nvPr/>
-      </p:nvGrpSpPr>
-      <p:grpSpPr>
-        <a:xfrm>
-          <a:off x="0" y="0"/>
-          <a:ext cx="0" cy="0"/>
-          <a:chOff x="0" y="0"/>
-          <a:chExt cx="0" cy="0"/>
-        </a:xfrm>
-      </p:grpSpPr>
-      <p:sp>
-        <p:nvSpPr>
-          <p:cNvPr id="2" name="제목 1">
-            <a:extLst>
-              <a:ext uri="{FF2B5EF4-FFF2-40B4-BE49-F238E27FC236}">
-                <a16:creationId xmlns:a16="http://schemas.microsoft.com/office/drawing/2014/main" id="{B557F646-D73D-42D2-8A86-EF7EE386396D}"/>
-              </a:ext>
-            </a:extLst>
-          </p:cNvPr>
-          <p:cNvSpPr>
-            <a:spLocks noGrp="1"/>
-          </p:cNvSpPr>
-          <p:nvPr>
-            <p:ph type="title"/>
-          </p:nvPr>
-        </p:nvSpPr>
-        <p:spPr/>
-        <p:txBody>
-          <a:bodyPr/>
-          <a:lstStyle/>
-          <a:p>
-            <a:r>
-              <a:rPr lang="ko-KR" altLang="en-US" dirty="0"/>
-              <a:t>개발 실패한 것</a:t>
-            </a:r>
-          </a:p>
-        </p:txBody>
-      </p:sp>
-      <p:sp>
-        <p:nvSpPr>
-          <p:cNvPr id="3" name="내용 개체 틀 2">
-            <a:extLst>
-              <a:ext uri="{FF2B5EF4-FFF2-40B4-BE49-F238E27FC236}">
-                <a16:creationId xmlns:a16="http://schemas.microsoft.com/office/drawing/2014/main" id="{B26D6CC2-530A-4448-9B89-8614E4913D1A}"/>
-              </a:ext>
-            </a:extLst>
-          </p:cNvPr>
-          <p:cNvSpPr>
-            <a:spLocks noGrp="1"/>
-          </p:cNvSpPr>
-          <p:nvPr>
-            <p:ph idx="1"/>
-          </p:nvPr>
-        </p:nvSpPr>
-        <p:spPr/>
-        <p:txBody>
-          <a:bodyPr/>
-          <a:lstStyle/>
-          <a:p>
-            <a:r>
-              <a:rPr lang="ko-KR" altLang="en-US" dirty="0"/>
-              <a:t>미니게임 진행 시 날짜가 카운트 되는 시스템</a:t>
-            </a:r>
-            <a:endParaRPr lang="en-US" altLang="ko-KR" dirty="0"/>
-          </a:p>
-          <a:p>
-            <a:r>
-              <a:rPr lang="ko-KR" altLang="en-US" dirty="0"/>
-              <a:t>자신이 키워낸 퀸송이의 엔딩을 공개보드에 올릴 수 있는 시스템</a:t>
-            </a:r>
-            <a:endParaRPr lang="en-US" altLang="ko-KR" dirty="0"/>
-          </a:p>
-          <a:p>
-            <a:endParaRPr lang="en-US" altLang="ko-KR" dirty="0"/>
-          </a:p>
-        </p:txBody>
-      </p:sp>
-    </p:spTree>
-    <p:extLst>
-      <p:ext uri="{BB962C8B-B14F-4D97-AF65-F5344CB8AC3E}">
-        <p14:creationId xmlns:p14="http://schemas.microsoft.com/office/powerpoint/2010/main" val="2490976326"/>
-      </p:ext>
-    </p:extLst>
-  </p:cSld>
-  <p:clrMapOvr>
-    <a:masterClrMapping/>
-  </p:clrMapOvr>
-</p:sld>
-</file>
-
-<file path=ppt/slides/slide8.xml><?xml version="1.0" encoding="utf-8"?>
-<p:sld xmlns:a="http://schemas.openxmlformats.org/drawingml/2006/main" xmlns:r="http://schemas.openxmlformats.org/officeDocument/2006/relationships" xmlns:p="http://schemas.openxmlformats.org/presentationml/2006/main">
-  <p:cSld>
-    <p:spTree>
-      <p:nvGrpSpPr>
-        <p:cNvPr id="1" name=""/>
-        <p:cNvGrpSpPr/>
-        <p:nvPr/>
-      </p:nvGrpSpPr>
-      <p:grpSpPr>
-        <a:xfrm>
-          <a:off x="0" y="0"/>
-          <a:ext cx="0" cy="0"/>
-          <a:chOff x="0" y="0"/>
-          <a:chExt cx="0" cy="0"/>
-        </a:xfrm>
-      </p:grpSpPr>
-      <p:sp>
-        <p:nvSpPr>
-          <p:cNvPr id="2" name="제목 1">
-            <a:extLst>
-              <a:ext uri="{FF2B5EF4-FFF2-40B4-BE49-F238E27FC236}">
-                <a16:creationId xmlns:a16="http://schemas.microsoft.com/office/drawing/2014/main" id="{7696B062-7EFA-47BE-AA31-9FBE501D747C}"/>
-              </a:ext>
-            </a:extLst>
-          </p:cNvPr>
-          <p:cNvSpPr>
-            <a:spLocks noGrp="1"/>
-          </p:cNvSpPr>
-          <p:nvPr>
-            <p:ph type="title"/>
-          </p:nvPr>
-        </p:nvSpPr>
-        <p:spPr/>
-        <p:txBody>
-          <a:bodyPr/>
-          <a:lstStyle/>
-          <a:p>
-            <a:r>
-              <a:rPr lang="ko-KR" altLang="en-US" dirty="0"/>
-              <a:t>게임시연</a:t>
-            </a:r>
-          </a:p>
-        </p:txBody>
-      </p:sp>
-      <p:sp>
-        <p:nvSpPr>
-          <p:cNvPr id="3" name="내용 개체 틀 2">
-            <a:extLst>
-              <a:ext uri="{FF2B5EF4-FFF2-40B4-BE49-F238E27FC236}">
-                <a16:creationId xmlns:a16="http://schemas.microsoft.com/office/drawing/2014/main" id="{B481B78E-6965-44B7-94B5-E7DE696DFD73}"/>
-              </a:ext>
-            </a:extLst>
-          </p:cNvPr>
-          <p:cNvSpPr>
-            <a:spLocks noGrp="1"/>
-          </p:cNvSpPr>
-          <p:nvPr>
-            <p:ph idx="1"/>
-          </p:nvPr>
-        </p:nvSpPr>
-        <p:spPr/>
-        <p:txBody>
-          <a:bodyPr/>
-          <a:lstStyle/>
-          <a:p>
-            <a:endParaRPr lang="ko-KR" altLang="en-US"/>
-          </a:p>
-        </p:txBody>
-      </p:sp>
-    </p:spTree>
-    <p:extLst>
-      <p:ext uri="{BB962C8B-B14F-4D97-AF65-F5344CB8AC3E}">
-        <p14:creationId xmlns:p14="http://schemas.microsoft.com/office/powerpoint/2010/main" val="2115182531"/>
+        <p14:creationId xmlns:p14="http://schemas.microsoft.com/office/powerpoint/2010/main" val="1192876615"/>
       </p:ext>
     </p:extLst>
   </p:cSld>
